--- a/PPT/distillation.pptx
+++ b/PPT/distillation.pptx
@@ -5,14 +5,24 @@
     <p:sldMasterId id="2147483815" r:id="rId1"/>
   </p:sldMasterIdLst>
   <p:notesMasterIdLst>
-    <p:notesMasterId r:id="rId7"/>
+    <p:notesMasterId r:id="rId17"/>
   </p:notesMasterIdLst>
   <p:sldIdLst>
     <p:sldId id="256" r:id="rId2"/>
     <p:sldId id="257" r:id="rId3"/>
     <p:sldId id="258" r:id="rId4"/>
     <p:sldId id="259" r:id="rId5"/>
-    <p:sldId id="260" r:id="rId6"/>
+    <p:sldId id="262" r:id="rId6"/>
+    <p:sldId id="261" r:id="rId7"/>
+    <p:sldId id="260" r:id="rId8"/>
+    <p:sldId id="263" r:id="rId9"/>
+    <p:sldId id="264" r:id="rId10"/>
+    <p:sldId id="265" r:id="rId11"/>
+    <p:sldId id="266" r:id="rId12"/>
+    <p:sldId id="267" r:id="rId13"/>
+    <p:sldId id="268" r:id="rId14"/>
+    <p:sldId id="269" r:id="rId15"/>
+    <p:sldId id="270" r:id="rId16"/>
   </p:sldIdLst>
   <p:sldSz cx="12192000" cy="6858000"/>
   <p:notesSz cx="6858000" cy="9144000"/>
@@ -201,7 +211,7 @@
           <a:p>
             <a:fld id="{63788722-0CBB-4B08-85F5-2FD1C1E36D42}" type="datetimeFigureOut">
               <a:rPr lang="zh-CN" altLang="en-US" smtClean="0"/>
-              <a:t>2024/12/9</a:t>
+              <a:t>2024/12/20</a:t>
             </a:fld>
             <a:endParaRPr lang="zh-CN" altLang="en-US"/>
           </a:p>
@@ -552,6 +562,90 @@
 </p:notes>
 </file>
 
+<file path=ppt/notesSlides/notesSlide2.xml><?xml version="1.0" encoding="utf-8"?>
+<p:notes xmlns:a="http://schemas.openxmlformats.org/drawingml/2006/main" xmlns:r="http://schemas.openxmlformats.org/officeDocument/2006/relationships" xmlns:p="http://schemas.openxmlformats.org/presentationml/2006/main">
+  <p:cSld>
+    <p:spTree>
+      <p:nvGrpSpPr>
+        <p:cNvPr id="1" name=""/>
+        <p:cNvGrpSpPr/>
+        <p:nvPr/>
+      </p:nvGrpSpPr>
+      <p:grpSpPr>
+        <a:xfrm>
+          <a:off x="0" y="0"/>
+          <a:ext cx="0" cy="0"/>
+          <a:chOff x="0" y="0"/>
+          <a:chExt cx="0" cy="0"/>
+        </a:xfrm>
+      </p:grpSpPr>
+      <p:sp>
+        <p:nvSpPr>
+          <p:cNvPr id="2" name="幻灯片图像占位符 1"/>
+          <p:cNvSpPr>
+            <a:spLocks noGrp="1" noRot="1" noChangeAspect="1"/>
+          </p:cNvSpPr>
+          <p:nvPr>
+            <p:ph type="sldImg"/>
+          </p:nvPr>
+        </p:nvSpPr>
+        <p:spPr/>
+      </p:sp>
+      <p:sp>
+        <p:nvSpPr>
+          <p:cNvPr id="3" name="备注占位符 2"/>
+          <p:cNvSpPr>
+            <a:spLocks noGrp="1"/>
+          </p:cNvSpPr>
+          <p:nvPr>
+            <p:ph type="body" idx="1"/>
+          </p:nvPr>
+        </p:nvSpPr>
+        <p:spPr/>
+        <p:txBody>
+          <a:bodyPr/>
+          <a:lstStyle/>
+          <a:p>
+            <a:endParaRPr lang="zh-CN" altLang="en-US"/>
+          </a:p>
+        </p:txBody>
+      </p:sp>
+      <p:sp>
+        <p:nvSpPr>
+          <p:cNvPr id="4" name="灯片编号占位符 3"/>
+          <p:cNvSpPr>
+            <a:spLocks noGrp="1"/>
+          </p:cNvSpPr>
+          <p:nvPr>
+            <p:ph type="sldNum" sz="quarter" idx="5"/>
+          </p:nvPr>
+        </p:nvSpPr>
+        <p:spPr/>
+        <p:txBody>
+          <a:bodyPr/>
+          <a:lstStyle/>
+          <a:p>
+            <a:fld id="{67B317F8-5624-4D73-845F-5C8FADDD2B1C}" type="slidenum">
+              <a:rPr lang="zh-CN" altLang="en-US" smtClean="0"/>
+              <a:t>9</a:t>
+            </a:fld>
+            <a:endParaRPr lang="zh-CN" altLang="en-US"/>
+          </a:p>
+        </p:txBody>
+      </p:sp>
+    </p:spTree>
+    <p:extLst>
+      <p:ext uri="{BB962C8B-B14F-4D97-AF65-F5344CB8AC3E}">
+        <p14:creationId xmlns:p14="http://schemas.microsoft.com/office/powerpoint/2010/main" val="1230578436"/>
+      </p:ext>
+    </p:extLst>
+  </p:cSld>
+  <p:clrMapOvr>
+    <a:masterClrMapping/>
+  </p:clrMapOvr>
+</p:notes>
+</file>
+
 <file path=ppt/slideLayouts/slideLayout1.xml><?xml version="1.0" encoding="utf-8"?>
 <p:sldLayout xmlns:a="http://schemas.openxmlformats.org/drawingml/2006/main" xmlns:r="http://schemas.openxmlformats.org/officeDocument/2006/relationships" xmlns:p="http://schemas.openxmlformats.org/presentationml/2006/main" type="title" preserve="1">
   <p:cSld name="标题幻灯片">
@@ -740,7 +834,7 @@
           <a:p>
             <a:fld id="{CCD2BD40-8D68-461D-90B7-BB37F77C8051}" type="datetimeFigureOut">
               <a:rPr lang="zh-CN" altLang="en-US" smtClean="0"/>
-              <a:t>2024/12/9</a:t>
+              <a:t>2024/12/20</a:t>
             </a:fld>
             <a:endParaRPr lang="zh-CN" altLang="en-US"/>
           </a:p>
@@ -1078,7 +1172,7 @@
           <a:p>
             <a:fld id="{CCD2BD40-8D68-461D-90B7-BB37F77C8051}" type="datetimeFigureOut">
               <a:rPr lang="zh-CN" altLang="en-US" smtClean="0"/>
-              <a:t>2024/12/9</a:t>
+              <a:t>2024/12/20</a:t>
             </a:fld>
             <a:endParaRPr lang="zh-CN" altLang="en-US"/>
           </a:p>
@@ -1479,7 +1573,7 @@
           <a:p>
             <a:fld id="{CCD2BD40-8D68-461D-90B7-BB37F77C8051}" type="datetimeFigureOut">
               <a:rPr lang="zh-CN" altLang="en-US" smtClean="0"/>
-              <a:t>2024/12/9</a:t>
+              <a:t>2024/12/20</a:t>
             </a:fld>
             <a:endParaRPr lang="zh-CN" altLang="en-US"/>
           </a:p>
@@ -1815,7 +1909,7 @@
           <a:p>
             <a:fld id="{CCD2BD40-8D68-461D-90B7-BB37F77C8051}" type="datetimeFigureOut">
               <a:rPr lang="zh-CN" altLang="en-US" smtClean="0"/>
-              <a:t>2024/12/9</a:t>
+              <a:t>2024/12/20</a:t>
             </a:fld>
             <a:endParaRPr lang="zh-CN" altLang="en-US"/>
           </a:p>
@@ -2135,7 +2229,7 @@
           <a:p>
             <a:fld id="{CCD2BD40-8D68-461D-90B7-BB37F77C8051}" type="datetimeFigureOut">
               <a:rPr lang="zh-CN" altLang="en-US" smtClean="0"/>
-              <a:t>2024/12/9</a:t>
+              <a:t>2024/12/20</a:t>
             </a:fld>
             <a:endParaRPr lang="zh-CN" altLang="en-US"/>
           </a:p>
@@ -2531,7 +2625,7 @@
           <a:p>
             <a:fld id="{CCD2BD40-8D68-461D-90B7-BB37F77C8051}" type="datetimeFigureOut">
               <a:rPr lang="zh-CN" altLang="en-US" smtClean="0"/>
-              <a:t>2024/12/9</a:t>
+              <a:t>2024/12/20</a:t>
             </a:fld>
             <a:endParaRPr lang="zh-CN" altLang="en-US"/>
           </a:p>
@@ -2788,7 +2882,7 @@
           <a:p>
             <a:fld id="{CCD2BD40-8D68-461D-90B7-BB37F77C8051}" type="datetimeFigureOut">
               <a:rPr lang="zh-CN" altLang="en-US" smtClean="0"/>
-              <a:t>2024/12/9</a:t>
+              <a:t>2024/12/20</a:t>
             </a:fld>
             <a:endParaRPr lang="zh-CN" altLang="en-US"/>
           </a:p>
@@ -3050,7 +3144,7 @@
           <a:p>
             <a:fld id="{CCD2BD40-8D68-461D-90B7-BB37F77C8051}" type="datetimeFigureOut">
               <a:rPr lang="zh-CN" altLang="en-US" smtClean="0"/>
-              <a:t>2024/12/9</a:t>
+              <a:t>2024/12/20</a:t>
             </a:fld>
             <a:endParaRPr lang="zh-CN" altLang="en-US"/>
           </a:p>
@@ -3312,7 +3406,7 @@
           <a:p>
             <a:fld id="{CCD2BD40-8D68-461D-90B7-BB37F77C8051}" type="datetimeFigureOut">
               <a:rPr lang="zh-CN" altLang="en-US" smtClean="0"/>
-              <a:t>2024/12/9</a:t>
+              <a:t>2024/12/20</a:t>
             </a:fld>
             <a:endParaRPr lang="zh-CN" altLang="en-US"/>
           </a:p>
@@ -3641,7 +3735,7 @@
           <a:p>
             <a:fld id="{CCD2BD40-8D68-461D-90B7-BB37F77C8051}" type="datetimeFigureOut">
               <a:rPr lang="zh-CN" altLang="en-US" smtClean="0"/>
-              <a:t>2024/12/9</a:t>
+              <a:t>2024/12/20</a:t>
             </a:fld>
             <a:endParaRPr lang="zh-CN" altLang="en-US"/>
           </a:p>
@@ -3964,7 +4058,7 @@
           <a:p>
             <a:fld id="{CCD2BD40-8D68-461D-90B7-BB37F77C8051}" type="datetimeFigureOut">
               <a:rPr lang="zh-CN" altLang="en-US" smtClean="0"/>
-              <a:t>2024/12/9</a:t>
+              <a:t>2024/12/20</a:t>
             </a:fld>
             <a:endParaRPr lang="zh-CN" altLang="en-US"/>
           </a:p>
@@ -4421,7 +4515,7 @@
           <a:p>
             <a:fld id="{CCD2BD40-8D68-461D-90B7-BB37F77C8051}" type="datetimeFigureOut">
               <a:rPr lang="zh-CN" altLang="en-US" smtClean="0"/>
-              <a:t>2024/12/9</a:t>
+              <a:t>2024/12/20</a:t>
             </a:fld>
             <a:endParaRPr lang="zh-CN" altLang="en-US"/>
           </a:p>
@@ -4626,7 +4720,7 @@
           <a:p>
             <a:fld id="{CCD2BD40-8D68-461D-90B7-BB37F77C8051}" type="datetimeFigureOut">
               <a:rPr lang="zh-CN" altLang="en-US" smtClean="0"/>
-              <a:t>2024/12/9</a:t>
+              <a:t>2024/12/20</a:t>
             </a:fld>
             <a:endParaRPr lang="zh-CN" altLang="en-US"/>
           </a:p>
@@ -4803,7 +4897,7 @@
           <a:p>
             <a:fld id="{CCD2BD40-8D68-461D-90B7-BB37F77C8051}" type="datetimeFigureOut">
               <a:rPr lang="zh-CN" altLang="en-US" smtClean="0"/>
-              <a:t>2024/12/9</a:t>
+              <a:t>2024/12/20</a:t>
             </a:fld>
             <a:endParaRPr lang="zh-CN" altLang="en-US"/>
           </a:p>
@@ -5136,7 +5230,7 @@
           <a:p>
             <a:fld id="{CCD2BD40-8D68-461D-90B7-BB37F77C8051}" type="datetimeFigureOut">
               <a:rPr lang="zh-CN" altLang="en-US" smtClean="0"/>
-              <a:t>2024/12/9</a:t>
+              <a:t>2024/12/20</a:t>
             </a:fld>
             <a:endParaRPr lang="zh-CN" altLang="en-US"/>
           </a:p>
@@ -5481,7 +5575,7 @@
           <a:p>
             <a:fld id="{CCD2BD40-8D68-461D-90B7-BB37F77C8051}" type="datetimeFigureOut">
               <a:rPr lang="zh-CN" altLang="en-US" smtClean="0"/>
-              <a:t>2024/12/9</a:t>
+              <a:t>2024/12/20</a:t>
             </a:fld>
             <a:endParaRPr lang="zh-CN" altLang="en-US"/>
           </a:p>
@@ -7598,7 +7692,7 @@
           <a:p>
             <a:fld id="{CCD2BD40-8D68-461D-90B7-BB37F77C8051}" type="datetimeFigureOut">
               <a:rPr lang="zh-CN" altLang="en-US" smtClean="0"/>
-              <a:t>2024/12/9</a:t>
+              <a:t>2024/12/20</a:t>
             </a:fld>
             <a:endParaRPr lang="zh-CN" altLang="en-US"/>
           </a:p>
@@ -8194,6 +8288,1454 @@
 </p:sld>
 </file>
 
+<file path=ppt/slides/slide10.xml><?xml version="1.0" encoding="utf-8"?>
+<p:sld xmlns:a="http://schemas.openxmlformats.org/drawingml/2006/main" xmlns:r="http://schemas.openxmlformats.org/officeDocument/2006/relationships" xmlns:p="http://schemas.openxmlformats.org/presentationml/2006/main">
+  <p:cSld>
+    <p:spTree>
+      <p:nvGrpSpPr>
+        <p:cNvPr id="1" name=""/>
+        <p:cNvGrpSpPr/>
+        <p:nvPr/>
+      </p:nvGrpSpPr>
+      <p:grpSpPr>
+        <a:xfrm>
+          <a:off x="0" y="0"/>
+          <a:ext cx="0" cy="0"/>
+          <a:chOff x="0" y="0"/>
+          <a:chExt cx="0" cy="0"/>
+        </a:xfrm>
+      </p:grpSpPr>
+      <p:sp>
+        <p:nvSpPr>
+          <p:cNvPr id="2" name="标题 1">
+            <a:extLst>
+              <a:ext uri="{FF2B5EF4-FFF2-40B4-BE49-F238E27FC236}">
+                <a16:creationId xmlns:a16="http://schemas.microsoft.com/office/drawing/2014/main" id="{4DA7C0E5-C3B9-4452-A5B6-ECB65F63C9EB}"/>
+              </a:ext>
+            </a:extLst>
+          </p:cNvPr>
+          <p:cNvSpPr>
+            <a:spLocks noGrp="1"/>
+          </p:cNvSpPr>
+          <p:nvPr>
+            <p:ph type="title"/>
+          </p:nvPr>
+        </p:nvSpPr>
+        <p:spPr/>
+        <p:txBody>
+          <a:bodyPr/>
+          <a:lstStyle/>
+          <a:p>
+            <a:r>
+              <a:rPr lang="zh-CN" altLang="en-US"/>
+              <a:t>黑盒蒸馏</a:t>
+            </a:r>
+          </a:p>
+        </p:txBody>
+      </p:sp>
+      <p:sp>
+        <p:nvSpPr>
+          <p:cNvPr id="3" name="内容占位符 2">
+            <a:extLst>
+              <a:ext uri="{FF2B5EF4-FFF2-40B4-BE49-F238E27FC236}">
+                <a16:creationId xmlns:a16="http://schemas.microsoft.com/office/drawing/2014/main" id="{D9BB9D7A-4F63-4F3C-876A-DF52ADA724FB}"/>
+              </a:ext>
+            </a:extLst>
+          </p:cNvPr>
+          <p:cNvSpPr>
+            <a:spLocks noGrp="1"/>
+          </p:cNvSpPr>
+          <p:nvPr>
+            <p:ph idx="1"/>
+          </p:nvPr>
+        </p:nvSpPr>
+        <p:spPr/>
+        <p:txBody>
+          <a:bodyPr>
+            <a:normAutofit/>
+          </a:bodyPr>
+          <a:lstStyle/>
+          <a:p>
+            <a:r>
+              <a:rPr lang="zh-CN" altLang="en-US" sz="3200"/>
+              <a:t>黑盒蒸馏所用到的仅仅是教师模型的回答（有时也包括输出的概率分布，即软目标，但是不会用到</a:t>
+            </a:r>
+            <a:r>
+              <a:rPr lang="en-US" altLang="zh-CN" sz="3200"/>
+              <a:t>logits</a:t>
+            </a:r>
+            <a:r>
+              <a:rPr lang="zh-CN" altLang="en-US" sz="3200"/>
+              <a:t>）。</a:t>
+            </a:r>
+          </a:p>
+        </p:txBody>
+      </p:sp>
+    </p:spTree>
+    <p:extLst>
+      <p:ext uri="{BB962C8B-B14F-4D97-AF65-F5344CB8AC3E}">
+        <p14:creationId xmlns:p14="http://schemas.microsoft.com/office/powerpoint/2010/main" val="3330310068"/>
+      </p:ext>
+    </p:extLst>
+  </p:cSld>
+  <p:clrMapOvr>
+    <a:masterClrMapping/>
+  </p:clrMapOvr>
+</p:sld>
+</file>
+
+<file path=ppt/slides/slide11.xml><?xml version="1.0" encoding="utf-8"?>
+<p:sld xmlns:a="http://schemas.openxmlformats.org/drawingml/2006/main" xmlns:r="http://schemas.openxmlformats.org/officeDocument/2006/relationships" xmlns:p="http://schemas.openxmlformats.org/presentationml/2006/main">
+  <p:cSld>
+    <p:spTree>
+      <p:nvGrpSpPr>
+        <p:cNvPr id="1" name=""/>
+        <p:cNvGrpSpPr/>
+        <p:nvPr/>
+      </p:nvGrpSpPr>
+      <p:grpSpPr>
+        <a:xfrm>
+          <a:off x="0" y="0"/>
+          <a:ext cx="0" cy="0"/>
+          <a:chOff x="0" y="0"/>
+          <a:chExt cx="0" cy="0"/>
+        </a:xfrm>
+      </p:grpSpPr>
+      <p:sp>
+        <p:nvSpPr>
+          <p:cNvPr id="2" name="标题 1">
+            <a:extLst>
+              <a:ext uri="{FF2B5EF4-FFF2-40B4-BE49-F238E27FC236}">
+                <a16:creationId xmlns:a16="http://schemas.microsoft.com/office/drawing/2014/main" id="{8AECC682-7062-477D-9A54-AAFFA1949D02}"/>
+              </a:ext>
+            </a:extLst>
+          </p:cNvPr>
+          <p:cNvSpPr>
+            <a:spLocks noGrp="1"/>
+          </p:cNvSpPr>
+          <p:nvPr>
+            <p:ph type="title"/>
+          </p:nvPr>
+        </p:nvSpPr>
+        <p:spPr/>
+        <p:txBody>
+          <a:bodyPr/>
+          <a:lstStyle/>
+          <a:p>
+            <a:r>
+              <a:rPr lang="en-US" altLang="zh-CN"/>
+              <a:t>ICL</a:t>
+            </a:r>
+            <a:r>
+              <a:rPr lang="zh-CN" altLang="en-US"/>
+              <a:t>蒸馏</a:t>
+            </a:r>
+          </a:p>
+        </p:txBody>
+      </p:sp>
+      <p:pic>
+        <p:nvPicPr>
+          <p:cNvPr id="5" name="内容占位符 4">
+            <a:extLst>
+              <a:ext uri="{FF2B5EF4-FFF2-40B4-BE49-F238E27FC236}">
+                <a16:creationId xmlns:a16="http://schemas.microsoft.com/office/drawing/2014/main" id="{5EFFAC06-9AAC-464E-8719-B4B744ABBDB4}"/>
+              </a:ext>
+            </a:extLst>
+          </p:cNvPr>
+          <p:cNvPicPr>
+            <a:picLocks noGrp="1" noChangeAspect="1"/>
+          </p:cNvPicPr>
+          <p:nvPr>
+            <p:ph idx="1"/>
+          </p:nvPr>
+        </p:nvPicPr>
+        <p:blipFill>
+          <a:blip r:embed="rId2"/>
+          <a:stretch>
+            <a:fillRect/>
+          </a:stretch>
+        </p:blipFill>
+        <p:spPr>
+          <a:xfrm>
+            <a:off x="6331847" y="324678"/>
+            <a:ext cx="5366026" cy="3473629"/>
+          </a:xfrm>
+        </p:spPr>
+      </p:pic>
+      <p:pic>
+        <p:nvPicPr>
+          <p:cNvPr id="7" name="图片 6">
+            <a:extLst>
+              <a:ext uri="{FF2B5EF4-FFF2-40B4-BE49-F238E27FC236}">
+                <a16:creationId xmlns:a16="http://schemas.microsoft.com/office/drawing/2014/main" id="{D76E787A-6DFA-4DFD-B9E3-A13F107CD84C}"/>
+              </a:ext>
+            </a:extLst>
+          </p:cNvPr>
+          <p:cNvPicPr>
+            <a:picLocks noChangeAspect="1"/>
+          </p:cNvPicPr>
+          <p:nvPr/>
+        </p:nvPicPr>
+        <p:blipFill>
+          <a:blip r:embed="rId3"/>
+          <a:stretch>
+            <a:fillRect/>
+          </a:stretch>
+        </p:blipFill>
+        <p:spPr>
+          <a:xfrm>
+            <a:off x="1988895" y="3961440"/>
+            <a:ext cx="6763098" cy="2571882"/>
+          </a:xfrm>
+          <a:prstGeom prst="rect">
+            <a:avLst/>
+          </a:prstGeom>
+        </p:spPr>
+      </p:pic>
+      <p:sp>
+        <p:nvSpPr>
+          <p:cNvPr id="8" name="文本框 7">
+            <a:extLst>
+              <a:ext uri="{FF2B5EF4-FFF2-40B4-BE49-F238E27FC236}">
+                <a16:creationId xmlns:a16="http://schemas.microsoft.com/office/drawing/2014/main" id="{2BD73A41-B853-47F7-95E4-053E2F263462}"/>
+              </a:ext>
+            </a:extLst>
+          </p:cNvPr>
+          <p:cNvSpPr txBox="1"/>
+          <p:nvPr/>
+        </p:nvSpPr>
+        <p:spPr>
+          <a:xfrm>
+            <a:off x="9730409" y="5009321"/>
+            <a:ext cx="1868556" cy="461665"/>
+          </a:xfrm>
+          <a:prstGeom prst="rect">
+            <a:avLst/>
+          </a:prstGeom>
+          <a:noFill/>
+        </p:spPr>
+        <p:txBody>
+          <a:bodyPr wrap="square" rtlCol="0">
+            <a:spAutoFit/>
+          </a:bodyPr>
+          <a:lstStyle/>
+          <a:p>
+            <a:r>
+              <a:rPr lang="en-US" altLang="zh-CN" sz="2400" b="1">
+                <a:solidFill>
+                  <a:srgbClr val="FF0000"/>
+                </a:solidFill>
+                <a:highlight>
+                  <a:srgbClr val="00FFFF"/>
+                </a:highlight>
+              </a:rPr>
+              <a:t>+ </a:t>
+            </a:r>
+            <a:r>
+              <a:rPr lang="zh-CN" altLang="en-US" sz="2400" b="1">
+                <a:solidFill>
+                  <a:srgbClr val="FF0000"/>
+                </a:solidFill>
+                <a:highlight>
+                  <a:srgbClr val="00FFFF"/>
+                </a:highlight>
+              </a:rPr>
+              <a:t>硬损失</a:t>
+            </a:r>
+          </a:p>
+        </p:txBody>
+      </p:sp>
+    </p:spTree>
+    <p:extLst>
+      <p:ext uri="{BB962C8B-B14F-4D97-AF65-F5344CB8AC3E}">
+        <p14:creationId xmlns:p14="http://schemas.microsoft.com/office/powerpoint/2010/main" val="4156216039"/>
+      </p:ext>
+    </p:extLst>
+  </p:cSld>
+  <p:clrMapOvr>
+    <a:masterClrMapping/>
+  </p:clrMapOvr>
+</p:sld>
+</file>
+
+<file path=ppt/slides/slide12.xml><?xml version="1.0" encoding="utf-8"?>
+<p:sld xmlns:a="http://schemas.openxmlformats.org/drawingml/2006/main" xmlns:r="http://schemas.openxmlformats.org/officeDocument/2006/relationships" xmlns:p="http://schemas.openxmlformats.org/presentationml/2006/main">
+  <p:cSld>
+    <p:spTree>
+      <p:nvGrpSpPr>
+        <p:cNvPr id="1" name=""/>
+        <p:cNvGrpSpPr/>
+        <p:nvPr/>
+      </p:nvGrpSpPr>
+      <p:grpSpPr>
+        <a:xfrm>
+          <a:off x="0" y="0"/>
+          <a:ext cx="0" cy="0"/>
+          <a:chOff x="0" y="0"/>
+          <a:chExt cx="0" cy="0"/>
+        </a:xfrm>
+      </p:grpSpPr>
+      <p:sp>
+        <p:nvSpPr>
+          <p:cNvPr id="2" name="标题 1">
+            <a:extLst>
+              <a:ext uri="{FF2B5EF4-FFF2-40B4-BE49-F238E27FC236}">
+                <a16:creationId xmlns:a16="http://schemas.microsoft.com/office/drawing/2014/main" id="{42F958CB-3AFE-4E7C-B63A-1D1549578EA8}"/>
+              </a:ext>
+            </a:extLst>
+          </p:cNvPr>
+          <p:cNvSpPr>
+            <a:spLocks noGrp="1"/>
+          </p:cNvSpPr>
+          <p:nvPr>
+            <p:ph type="title"/>
+          </p:nvPr>
+        </p:nvSpPr>
+        <p:spPr/>
+        <p:txBody>
+          <a:bodyPr/>
+          <a:lstStyle/>
+          <a:p>
+            <a:r>
+              <a:rPr lang="zh-CN" altLang="en-US"/>
+              <a:t>指令跟随蒸馏</a:t>
+            </a:r>
+          </a:p>
+        </p:txBody>
+      </p:sp>
+      <p:pic>
+        <p:nvPicPr>
+          <p:cNvPr id="5" name="内容占位符 4">
+            <a:extLst>
+              <a:ext uri="{FF2B5EF4-FFF2-40B4-BE49-F238E27FC236}">
+                <a16:creationId xmlns:a16="http://schemas.microsoft.com/office/drawing/2014/main" id="{C619B769-0BDE-415C-B411-43F4B4D6EF94}"/>
+              </a:ext>
+            </a:extLst>
+          </p:cNvPr>
+          <p:cNvPicPr>
+            <a:picLocks noGrp="1" noChangeAspect="1"/>
+          </p:cNvPicPr>
+          <p:nvPr>
+            <p:ph idx="1"/>
+          </p:nvPr>
+        </p:nvPicPr>
+        <p:blipFill>
+          <a:blip r:embed="rId2"/>
+          <a:stretch>
+            <a:fillRect/>
+          </a:stretch>
+        </p:blipFill>
+        <p:spPr>
+          <a:xfrm>
+            <a:off x="3434257" y="1500809"/>
+            <a:ext cx="7811511" cy="5357191"/>
+          </a:xfrm>
+        </p:spPr>
+      </p:pic>
+      <p:sp>
+        <p:nvSpPr>
+          <p:cNvPr id="6" name="文本框 5">
+            <a:extLst>
+              <a:ext uri="{FF2B5EF4-FFF2-40B4-BE49-F238E27FC236}">
+                <a16:creationId xmlns:a16="http://schemas.microsoft.com/office/drawing/2014/main" id="{E5850782-603F-4738-AC51-5CF31ECAACC2}"/>
+              </a:ext>
+            </a:extLst>
+          </p:cNvPr>
+          <p:cNvSpPr txBox="1"/>
+          <p:nvPr/>
+        </p:nvSpPr>
+        <p:spPr>
+          <a:xfrm>
+            <a:off x="8892854" y="1500809"/>
+            <a:ext cx="2915478" cy="1323439"/>
+          </a:xfrm>
+          <a:prstGeom prst="rect">
+            <a:avLst/>
+          </a:prstGeom>
+          <a:noFill/>
+        </p:spPr>
+        <p:txBody>
+          <a:bodyPr wrap="square" rtlCol="0">
+            <a:spAutoFit/>
+          </a:bodyPr>
+          <a:lstStyle/>
+          <a:p>
+            <a:r>
+              <a:rPr lang="zh-CN" altLang="en-US" sz="2000" b="1">
+                <a:solidFill>
+                  <a:srgbClr val="FF0000"/>
+                </a:solidFill>
+                <a:highlight>
+                  <a:srgbClr val="00FFFF"/>
+                </a:highlight>
+              </a:rPr>
+              <a:t>数据格式：</a:t>
+            </a:r>
+            <a:endParaRPr lang="en-US" altLang="zh-CN" sz="2000" b="1">
+              <a:solidFill>
+                <a:srgbClr val="FF0000"/>
+              </a:solidFill>
+              <a:highlight>
+                <a:srgbClr val="00FFFF"/>
+              </a:highlight>
+            </a:endParaRPr>
+          </a:p>
+          <a:p>
+            <a:r>
+              <a:rPr lang="zh-CN" altLang="en-US" sz="2000" b="1">
+                <a:solidFill>
+                  <a:srgbClr val="FF0000"/>
+                </a:solidFill>
+                <a:highlight>
+                  <a:srgbClr val="00FFFF"/>
+                </a:highlight>
+              </a:rPr>
+              <a:t>指令，</a:t>
+            </a:r>
+            <a:endParaRPr lang="en-US" altLang="zh-CN" sz="2000" b="1">
+              <a:solidFill>
+                <a:srgbClr val="FF0000"/>
+              </a:solidFill>
+              <a:highlight>
+                <a:srgbClr val="00FFFF"/>
+              </a:highlight>
+            </a:endParaRPr>
+          </a:p>
+          <a:p>
+            <a:r>
+              <a:rPr lang="zh-CN" altLang="en-US" sz="2000" b="1">
+                <a:solidFill>
+                  <a:srgbClr val="FF0000"/>
+                </a:solidFill>
+                <a:highlight>
+                  <a:srgbClr val="00FFFF"/>
+                </a:highlight>
+              </a:rPr>
+              <a:t>输入（可省略），</a:t>
+            </a:r>
+            <a:endParaRPr lang="en-US" altLang="zh-CN" sz="2000" b="1">
+              <a:solidFill>
+                <a:srgbClr val="FF0000"/>
+              </a:solidFill>
+              <a:highlight>
+                <a:srgbClr val="00FFFF"/>
+              </a:highlight>
+            </a:endParaRPr>
+          </a:p>
+          <a:p>
+            <a:r>
+              <a:rPr lang="zh-CN" altLang="en-US" sz="2000" b="1">
+                <a:solidFill>
+                  <a:srgbClr val="FF0000"/>
+                </a:solidFill>
+                <a:highlight>
+                  <a:srgbClr val="00FFFF"/>
+                </a:highlight>
+              </a:rPr>
+              <a:t>输出</a:t>
+            </a:r>
+          </a:p>
+        </p:txBody>
+      </p:sp>
+    </p:spTree>
+    <p:extLst>
+      <p:ext uri="{BB962C8B-B14F-4D97-AF65-F5344CB8AC3E}">
+        <p14:creationId xmlns:p14="http://schemas.microsoft.com/office/powerpoint/2010/main" val="280520715"/>
+      </p:ext>
+    </p:extLst>
+  </p:cSld>
+  <p:clrMapOvr>
+    <a:masterClrMapping/>
+  </p:clrMapOvr>
+</p:sld>
+</file>
+
+<file path=ppt/slides/slide13.xml><?xml version="1.0" encoding="utf-8"?>
+<p:sld xmlns:a="http://schemas.openxmlformats.org/drawingml/2006/main" xmlns:r="http://schemas.openxmlformats.org/officeDocument/2006/relationships" xmlns:p="http://schemas.openxmlformats.org/presentationml/2006/main">
+  <p:cSld>
+    <p:spTree>
+      <p:nvGrpSpPr>
+        <p:cNvPr id="1" name=""/>
+        <p:cNvGrpSpPr/>
+        <p:nvPr/>
+      </p:nvGrpSpPr>
+      <p:grpSpPr>
+        <a:xfrm>
+          <a:off x="0" y="0"/>
+          <a:ext cx="0" cy="0"/>
+          <a:chOff x="0" y="0"/>
+          <a:chExt cx="0" cy="0"/>
+        </a:xfrm>
+      </p:grpSpPr>
+      <p:sp>
+        <p:nvSpPr>
+          <p:cNvPr id="2" name="标题 1">
+            <a:extLst>
+              <a:ext uri="{FF2B5EF4-FFF2-40B4-BE49-F238E27FC236}">
+                <a16:creationId xmlns:a16="http://schemas.microsoft.com/office/drawing/2014/main" id="{81E2D53D-D639-4641-BD68-9385BB865D0B}"/>
+              </a:ext>
+            </a:extLst>
+          </p:cNvPr>
+          <p:cNvSpPr>
+            <a:spLocks noGrp="1"/>
+          </p:cNvSpPr>
+          <p:nvPr>
+            <p:ph type="title"/>
+          </p:nvPr>
+        </p:nvSpPr>
+        <p:spPr/>
+        <p:txBody>
+          <a:bodyPr/>
+          <a:lstStyle/>
+          <a:p>
+            <a:r>
+              <a:rPr lang="en-US" altLang="zh-CN"/>
+              <a:t>Self-instruct</a:t>
+            </a:r>
+            <a:endParaRPr lang="zh-CN" altLang="en-US"/>
+          </a:p>
+        </p:txBody>
+      </p:sp>
+      <p:pic>
+        <p:nvPicPr>
+          <p:cNvPr id="5" name="内容占位符 4">
+            <a:extLst>
+              <a:ext uri="{FF2B5EF4-FFF2-40B4-BE49-F238E27FC236}">
+                <a16:creationId xmlns:a16="http://schemas.microsoft.com/office/drawing/2014/main" id="{78F20CEC-2EA4-4B03-A87F-88095409B448}"/>
+              </a:ext>
+            </a:extLst>
+          </p:cNvPr>
+          <p:cNvPicPr>
+            <a:picLocks noGrp="1" noChangeAspect="1"/>
+          </p:cNvPicPr>
+          <p:nvPr>
+            <p:ph idx="1"/>
+          </p:nvPr>
+        </p:nvPicPr>
+        <p:blipFill>
+          <a:blip r:embed="rId2"/>
+          <a:stretch>
+            <a:fillRect/>
+          </a:stretch>
+        </p:blipFill>
+        <p:spPr>
+          <a:xfrm>
+            <a:off x="2800233" y="1854133"/>
+            <a:ext cx="8261381" cy="3052486"/>
+          </a:xfrm>
+        </p:spPr>
+      </p:pic>
+      <p:sp>
+        <p:nvSpPr>
+          <p:cNvPr id="6" name="矩形: 圆角 5">
+            <a:extLst>
+              <a:ext uri="{FF2B5EF4-FFF2-40B4-BE49-F238E27FC236}">
+                <a16:creationId xmlns:a16="http://schemas.microsoft.com/office/drawing/2014/main" id="{0A47425D-45E5-441F-B227-E54A87B7C438}"/>
+              </a:ext>
+            </a:extLst>
+          </p:cNvPr>
+          <p:cNvSpPr/>
+          <p:nvPr/>
+        </p:nvSpPr>
+        <p:spPr>
+          <a:xfrm>
+            <a:off x="9084365" y="2524539"/>
+            <a:ext cx="1590261" cy="516835"/>
+          </a:xfrm>
+          <a:prstGeom prst="roundRect">
+            <a:avLst/>
+          </a:prstGeom>
+          <a:noFill/>
+          <a:ln w="57150">
+            <a:solidFill>
+              <a:srgbClr val="FF0000"/>
+            </a:solidFill>
+          </a:ln>
+        </p:spPr>
+        <p:style>
+          <a:lnRef idx="2">
+            <a:schemeClr val="accent1">
+              <a:shade val="50000"/>
+            </a:schemeClr>
+          </a:lnRef>
+          <a:fillRef idx="1">
+            <a:schemeClr val="accent1"/>
+          </a:fillRef>
+          <a:effectRef idx="0">
+            <a:schemeClr val="accent1"/>
+          </a:effectRef>
+          <a:fontRef idx="minor">
+            <a:schemeClr val="lt1"/>
+          </a:fontRef>
+        </p:style>
+        <p:txBody>
+          <a:bodyPr rtlCol="0" anchor="ctr"/>
+          <a:lstStyle/>
+          <a:p>
+            <a:pPr algn="ctr"/>
+            <a:endParaRPr lang="zh-CN" altLang="en-US"/>
+          </a:p>
+        </p:txBody>
+      </p:sp>
+    </p:spTree>
+    <p:extLst>
+      <p:ext uri="{BB962C8B-B14F-4D97-AF65-F5344CB8AC3E}">
+        <p14:creationId xmlns:p14="http://schemas.microsoft.com/office/powerpoint/2010/main" val="4290117643"/>
+      </p:ext>
+    </p:extLst>
+  </p:cSld>
+  <p:clrMapOvr>
+    <a:masterClrMapping/>
+  </p:clrMapOvr>
+  <p:timing>
+    <p:tnLst>
+      <p:par>
+        <p:cTn id="1" dur="indefinite" restart="never" nodeType="tmRoot">
+          <p:childTnLst>
+            <p:seq concurrent="1" nextAc="seek">
+              <p:cTn id="2" dur="indefinite" nodeType="mainSeq">
+                <p:childTnLst>
+                  <p:par>
+                    <p:cTn id="3" fill="hold">
+                      <p:stCondLst>
+                        <p:cond delay="indefinite"/>
+                      </p:stCondLst>
+                      <p:childTnLst>
+                        <p:par>
+                          <p:cTn id="4" fill="hold">
+                            <p:stCondLst>
+                              <p:cond delay="0"/>
+                            </p:stCondLst>
+                            <p:childTnLst>
+                              <p:par>
+                                <p:cTn id="5" presetID="1" presetClass="entr" presetSubtype="0" fill="hold" grpId="0" nodeType="clickEffect">
+                                  <p:stCondLst>
+                                    <p:cond delay="0"/>
+                                  </p:stCondLst>
+                                  <p:childTnLst>
+                                    <p:set>
+                                      <p:cBhvr>
+                                        <p:cTn id="6" dur="1" fill="hold">
+                                          <p:stCondLst>
+                                            <p:cond delay="0"/>
+                                          </p:stCondLst>
+                                        </p:cTn>
+                                        <p:tgtEl>
+                                          <p:spTgt spid="6"/>
+                                        </p:tgtEl>
+                                        <p:attrNameLst>
+                                          <p:attrName>style.visibility</p:attrName>
+                                        </p:attrNameLst>
+                                      </p:cBhvr>
+                                      <p:to>
+                                        <p:strVal val="visible"/>
+                                      </p:to>
+                                    </p:set>
+                                  </p:childTnLst>
+                                </p:cTn>
+                              </p:par>
+                            </p:childTnLst>
+                          </p:cTn>
+                        </p:par>
+                      </p:childTnLst>
+                    </p:cTn>
+                  </p:par>
+                </p:childTnLst>
+              </p:cTn>
+              <p:prevCondLst>
+                <p:cond evt="onPrev" delay="0">
+                  <p:tgtEl>
+                    <p:sldTgt/>
+                  </p:tgtEl>
+                </p:cond>
+              </p:prevCondLst>
+              <p:nextCondLst>
+                <p:cond evt="onNext" delay="0">
+                  <p:tgtEl>
+                    <p:sldTgt/>
+                  </p:tgtEl>
+                </p:cond>
+              </p:nextCondLst>
+            </p:seq>
+          </p:childTnLst>
+        </p:cTn>
+      </p:par>
+    </p:tnLst>
+    <p:bldLst>
+      <p:bldP spid="6" grpId="0" animBg="1"/>
+    </p:bldLst>
+  </p:timing>
+</p:sld>
+</file>
+
+<file path=ppt/slides/slide14.xml><?xml version="1.0" encoding="utf-8"?>
+<p:sld xmlns:a="http://schemas.openxmlformats.org/drawingml/2006/main" xmlns:r="http://schemas.openxmlformats.org/officeDocument/2006/relationships" xmlns:p="http://schemas.openxmlformats.org/presentationml/2006/main">
+  <p:cSld>
+    <p:spTree>
+      <p:nvGrpSpPr>
+        <p:cNvPr id="1" name=""/>
+        <p:cNvGrpSpPr/>
+        <p:nvPr/>
+      </p:nvGrpSpPr>
+      <p:grpSpPr>
+        <a:xfrm>
+          <a:off x="0" y="0"/>
+          <a:ext cx="0" cy="0"/>
+          <a:chOff x="0" y="0"/>
+          <a:chExt cx="0" cy="0"/>
+        </a:xfrm>
+      </p:grpSpPr>
+      <p:sp>
+        <p:nvSpPr>
+          <p:cNvPr id="2" name="标题 1">
+            <a:extLst>
+              <a:ext uri="{FF2B5EF4-FFF2-40B4-BE49-F238E27FC236}">
+                <a16:creationId xmlns:a16="http://schemas.microsoft.com/office/drawing/2014/main" id="{DE81635B-DE20-4882-B623-3884CBB38726}"/>
+              </a:ext>
+            </a:extLst>
+          </p:cNvPr>
+          <p:cNvSpPr>
+            <a:spLocks noGrp="1"/>
+          </p:cNvSpPr>
+          <p:nvPr>
+            <p:ph type="title"/>
+          </p:nvPr>
+        </p:nvSpPr>
+        <p:spPr/>
+        <p:txBody>
+          <a:bodyPr/>
+          <a:lstStyle/>
+          <a:p>
+            <a:r>
+              <a:rPr lang="zh-CN" altLang="en-US"/>
+              <a:t>思维链蒸馏</a:t>
+            </a:r>
+          </a:p>
+        </p:txBody>
+      </p:sp>
+      <p:pic>
+        <p:nvPicPr>
+          <p:cNvPr id="5" name="内容占位符 4">
+            <a:extLst>
+              <a:ext uri="{FF2B5EF4-FFF2-40B4-BE49-F238E27FC236}">
+                <a16:creationId xmlns:a16="http://schemas.microsoft.com/office/drawing/2014/main" id="{A5BA7F8D-2135-4E36-8C88-99155BCA943F}"/>
+              </a:ext>
+            </a:extLst>
+          </p:cNvPr>
+          <p:cNvPicPr>
+            <a:picLocks noGrp="1" noChangeAspect="1"/>
+          </p:cNvPicPr>
+          <p:nvPr>
+            <p:ph idx="1"/>
+          </p:nvPr>
+        </p:nvPicPr>
+        <p:blipFill>
+          <a:blip r:embed="rId2"/>
+          <a:stretch>
+            <a:fillRect/>
+          </a:stretch>
+        </p:blipFill>
+        <p:spPr>
+          <a:xfrm>
+            <a:off x="3107636" y="2143348"/>
+            <a:ext cx="6553594" cy="2875913"/>
+          </a:xfrm>
+        </p:spPr>
+      </p:pic>
+      <p:sp>
+        <p:nvSpPr>
+          <p:cNvPr id="6" name="矩形: 圆角 5">
+            <a:extLst>
+              <a:ext uri="{FF2B5EF4-FFF2-40B4-BE49-F238E27FC236}">
+                <a16:creationId xmlns:a16="http://schemas.microsoft.com/office/drawing/2014/main" id="{CEC2B0C0-6099-43CB-8068-5604530F63FD}"/>
+              </a:ext>
+            </a:extLst>
+          </p:cNvPr>
+          <p:cNvSpPr/>
+          <p:nvPr/>
+        </p:nvSpPr>
+        <p:spPr>
+          <a:xfrm>
+            <a:off x="4880112" y="2113531"/>
+            <a:ext cx="2276062" cy="490522"/>
+          </a:xfrm>
+          <a:prstGeom prst="roundRect">
+            <a:avLst/>
+          </a:prstGeom>
+          <a:noFill/>
+          <a:ln w="57150">
+            <a:solidFill>
+              <a:srgbClr val="FF0000"/>
+            </a:solidFill>
+          </a:ln>
+        </p:spPr>
+        <p:style>
+          <a:lnRef idx="2">
+            <a:schemeClr val="accent1">
+              <a:shade val="50000"/>
+            </a:schemeClr>
+          </a:lnRef>
+          <a:fillRef idx="1">
+            <a:schemeClr val="accent1"/>
+          </a:fillRef>
+          <a:effectRef idx="0">
+            <a:schemeClr val="accent1"/>
+          </a:effectRef>
+          <a:fontRef idx="minor">
+            <a:schemeClr val="lt1"/>
+          </a:fontRef>
+        </p:style>
+        <p:txBody>
+          <a:bodyPr rtlCol="0" anchor="ctr"/>
+          <a:lstStyle/>
+          <a:p>
+            <a:pPr algn="ctr"/>
+            <a:endParaRPr lang="zh-CN" altLang="en-US"/>
+          </a:p>
+        </p:txBody>
+      </p:sp>
+      <p:sp>
+        <p:nvSpPr>
+          <p:cNvPr id="7" name="矩形: 圆角 6">
+            <a:extLst>
+              <a:ext uri="{FF2B5EF4-FFF2-40B4-BE49-F238E27FC236}">
+                <a16:creationId xmlns:a16="http://schemas.microsoft.com/office/drawing/2014/main" id="{8E5E92BE-8289-4852-9DFA-67D35E927B87}"/>
+              </a:ext>
+            </a:extLst>
+          </p:cNvPr>
+          <p:cNvSpPr/>
+          <p:nvPr/>
+        </p:nvSpPr>
+        <p:spPr>
+          <a:xfrm>
+            <a:off x="3011557" y="1934818"/>
+            <a:ext cx="6659216" cy="1812234"/>
+          </a:xfrm>
+          <a:prstGeom prst="roundRect">
+            <a:avLst/>
+          </a:prstGeom>
+          <a:noFill/>
+          <a:ln w="19050">
+            <a:solidFill>
+              <a:srgbClr val="FF0000"/>
+            </a:solidFill>
+            <a:prstDash val="dash"/>
+          </a:ln>
+        </p:spPr>
+        <p:style>
+          <a:lnRef idx="2">
+            <a:schemeClr val="accent1">
+              <a:shade val="50000"/>
+            </a:schemeClr>
+          </a:lnRef>
+          <a:fillRef idx="1">
+            <a:schemeClr val="accent1"/>
+          </a:fillRef>
+          <a:effectRef idx="0">
+            <a:schemeClr val="accent1"/>
+          </a:effectRef>
+          <a:fontRef idx="minor">
+            <a:schemeClr val="lt1"/>
+          </a:fontRef>
+        </p:style>
+        <p:txBody>
+          <a:bodyPr rtlCol="0" anchor="ctr"/>
+          <a:lstStyle/>
+          <a:p>
+            <a:pPr algn="ctr"/>
+            <a:endParaRPr lang="zh-CN" altLang="en-US"/>
+          </a:p>
+        </p:txBody>
+      </p:sp>
+      <p:sp>
+        <p:nvSpPr>
+          <p:cNvPr id="8" name="矩形: 圆角 7">
+            <a:extLst>
+              <a:ext uri="{FF2B5EF4-FFF2-40B4-BE49-F238E27FC236}">
+                <a16:creationId xmlns:a16="http://schemas.microsoft.com/office/drawing/2014/main" id="{1B866818-01E5-4878-A32E-D2CC5C8BEEB0}"/>
+              </a:ext>
+            </a:extLst>
+          </p:cNvPr>
+          <p:cNvSpPr/>
+          <p:nvPr/>
+        </p:nvSpPr>
+        <p:spPr>
+          <a:xfrm>
+            <a:off x="3011754" y="3922453"/>
+            <a:ext cx="6745357" cy="396098"/>
+          </a:xfrm>
+          <a:prstGeom prst="roundRect">
+            <a:avLst/>
+          </a:prstGeom>
+          <a:noFill/>
+          <a:ln w="19050">
+            <a:solidFill>
+              <a:srgbClr val="FF0000"/>
+            </a:solidFill>
+            <a:prstDash val="dash"/>
+          </a:ln>
+        </p:spPr>
+        <p:style>
+          <a:lnRef idx="2">
+            <a:schemeClr val="accent1">
+              <a:shade val="50000"/>
+            </a:schemeClr>
+          </a:lnRef>
+          <a:fillRef idx="1">
+            <a:schemeClr val="accent1"/>
+          </a:fillRef>
+          <a:effectRef idx="0">
+            <a:schemeClr val="accent1"/>
+          </a:effectRef>
+          <a:fontRef idx="minor">
+            <a:schemeClr val="lt1"/>
+          </a:fontRef>
+        </p:style>
+        <p:txBody>
+          <a:bodyPr rtlCol="0" anchor="ctr"/>
+          <a:lstStyle/>
+          <a:p>
+            <a:pPr algn="ctr"/>
+            <a:endParaRPr lang="zh-CN" altLang="en-US"/>
+          </a:p>
+        </p:txBody>
+      </p:sp>
+      <p:sp>
+        <p:nvSpPr>
+          <p:cNvPr id="9" name="文本框 8">
+            <a:extLst>
+              <a:ext uri="{FF2B5EF4-FFF2-40B4-BE49-F238E27FC236}">
+                <a16:creationId xmlns:a16="http://schemas.microsoft.com/office/drawing/2014/main" id="{2B17B916-8734-4F68-B669-690371311445}"/>
+              </a:ext>
+            </a:extLst>
+          </p:cNvPr>
+          <p:cNvSpPr txBox="1"/>
+          <p:nvPr/>
+        </p:nvSpPr>
+        <p:spPr>
+          <a:xfrm>
+            <a:off x="10336696" y="2464904"/>
+            <a:ext cx="1167916" cy="369332"/>
+          </a:xfrm>
+          <a:prstGeom prst="rect">
+            <a:avLst/>
+          </a:prstGeom>
+          <a:noFill/>
+        </p:spPr>
+        <p:txBody>
+          <a:bodyPr wrap="square" rtlCol="0">
+            <a:spAutoFit/>
+          </a:bodyPr>
+          <a:lstStyle/>
+          <a:p>
+            <a:r>
+              <a:rPr lang="zh-CN" altLang="en-US"/>
+              <a:t>输入</a:t>
+            </a:r>
+          </a:p>
+        </p:txBody>
+      </p:sp>
+      <p:sp>
+        <p:nvSpPr>
+          <p:cNvPr id="10" name="文本框 9">
+            <a:extLst>
+              <a:ext uri="{FF2B5EF4-FFF2-40B4-BE49-F238E27FC236}">
+                <a16:creationId xmlns:a16="http://schemas.microsoft.com/office/drawing/2014/main" id="{11689490-274F-4664-8DA7-644F7F70B5E9}"/>
+              </a:ext>
+            </a:extLst>
+          </p:cNvPr>
+          <p:cNvSpPr txBox="1"/>
+          <p:nvPr/>
+        </p:nvSpPr>
+        <p:spPr>
+          <a:xfrm>
+            <a:off x="10336696" y="3922453"/>
+            <a:ext cx="1167916" cy="369332"/>
+          </a:xfrm>
+          <a:prstGeom prst="rect">
+            <a:avLst/>
+          </a:prstGeom>
+          <a:noFill/>
+        </p:spPr>
+        <p:txBody>
+          <a:bodyPr wrap="square" rtlCol="0">
+            <a:spAutoFit/>
+          </a:bodyPr>
+          <a:lstStyle/>
+          <a:p>
+            <a:r>
+              <a:rPr lang="zh-CN" altLang="en-US"/>
+              <a:t>输出</a:t>
+            </a:r>
+          </a:p>
+        </p:txBody>
+      </p:sp>
+      <p:cxnSp>
+        <p:nvCxnSpPr>
+          <p:cNvPr id="12" name="直接箭头连接符 11">
+            <a:extLst>
+              <a:ext uri="{FF2B5EF4-FFF2-40B4-BE49-F238E27FC236}">
+                <a16:creationId xmlns:a16="http://schemas.microsoft.com/office/drawing/2014/main" id="{B2EAD62C-A92F-4B90-B8CC-9085A8DC4628}"/>
+              </a:ext>
+            </a:extLst>
+          </p:cNvPr>
+          <p:cNvCxnSpPr>
+            <a:endCxn id="9" idx="1"/>
+          </p:cNvCxnSpPr>
+          <p:nvPr/>
+        </p:nvCxnSpPr>
+        <p:spPr>
+          <a:xfrm>
+            <a:off x="9757111" y="2649570"/>
+            <a:ext cx="579585" cy="0"/>
+          </a:xfrm>
+          <a:prstGeom prst="straightConnector1">
+            <a:avLst/>
+          </a:prstGeom>
+          <a:ln>
+            <a:tailEnd type="triangle"/>
+          </a:ln>
+        </p:spPr>
+        <p:style>
+          <a:lnRef idx="1">
+            <a:schemeClr val="accent1"/>
+          </a:lnRef>
+          <a:fillRef idx="0">
+            <a:schemeClr val="accent1"/>
+          </a:fillRef>
+          <a:effectRef idx="0">
+            <a:schemeClr val="accent1"/>
+          </a:effectRef>
+          <a:fontRef idx="minor">
+            <a:schemeClr val="tx1"/>
+          </a:fontRef>
+        </p:style>
+      </p:cxnSp>
+      <p:cxnSp>
+        <p:nvCxnSpPr>
+          <p:cNvPr id="13" name="直接箭头连接符 12">
+            <a:extLst>
+              <a:ext uri="{FF2B5EF4-FFF2-40B4-BE49-F238E27FC236}">
+                <a16:creationId xmlns:a16="http://schemas.microsoft.com/office/drawing/2014/main" id="{459DC77D-F8CC-469B-9A0B-8E92AD3827E5}"/>
+              </a:ext>
+            </a:extLst>
+          </p:cNvPr>
+          <p:cNvCxnSpPr/>
+          <p:nvPr/>
+        </p:nvCxnSpPr>
+        <p:spPr>
+          <a:xfrm>
+            <a:off x="9757111" y="4107119"/>
+            <a:ext cx="579585" cy="0"/>
+          </a:xfrm>
+          <a:prstGeom prst="straightConnector1">
+            <a:avLst/>
+          </a:prstGeom>
+          <a:ln>
+            <a:tailEnd type="triangle"/>
+          </a:ln>
+        </p:spPr>
+        <p:style>
+          <a:lnRef idx="1">
+            <a:schemeClr val="accent1"/>
+          </a:lnRef>
+          <a:fillRef idx="0">
+            <a:schemeClr val="accent1"/>
+          </a:fillRef>
+          <a:effectRef idx="0">
+            <a:schemeClr val="accent1"/>
+          </a:effectRef>
+          <a:fontRef idx="minor">
+            <a:schemeClr val="tx1"/>
+          </a:fontRef>
+        </p:style>
+      </p:cxnSp>
+    </p:spTree>
+    <p:extLst>
+      <p:ext uri="{BB962C8B-B14F-4D97-AF65-F5344CB8AC3E}">
+        <p14:creationId xmlns:p14="http://schemas.microsoft.com/office/powerpoint/2010/main" val="1138462906"/>
+      </p:ext>
+    </p:extLst>
+  </p:cSld>
+  <p:clrMapOvr>
+    <a:masterClrMapping/>
+  </p:clrMapOvr>
+  <p:timing>
+    <p:tnLst>
+      <p:par>
+        <p:cTn id="1" dur="indefinite" restart="never" nodeType="tmRoot">
+          <p:childTnLst>
+            <p:seq concurrent="1" nextAc="seek">
+              <p:cTn id="2" dur="indefinite" nodeType="mainSeq">
+                <p:childTnLst>
+                  <p:par>
+                    <p:cTn id="3" fill="hold">
+                      <p:stCondLst>
+                        <p:cond delay="indefinite"/>
+                      </p:stCondLst>
+                      <p:childTnLst>
+                        <p:par>
+                          <p:cTn id="4" fill="hold">
+                            <p:stCondLst>
+                              <p:cond delay="0"/>
+                            </p:stCondLst>
+                            <p:childTnLst>
+                              <p:par>
+                                <p:cTn id="5" presetID="1" presetClass="entr" presetSubtype="0" fill="hold" grpId="0" nodeType="clickEffect">
+                                  <p:stCondLst>
+                                    <p:cond delay="0"/>
+                                  </p:stCondLst>
+                                  <p:childTnLst>
+                                    <p:set>
+                                      <p:cBhvr>
+                                        <p:cTn id="6" dur="1" fill="hold">
+                                          <p:stCondLst>
+                                            <p:cond delay="0"/>
+                                          </p:stCondLst>
+                                        </p:cTn>
+                                        <p:tgtEl>
+                                          <p:spTgt spid="6"/>
+                                        </p:tgtEl>
+                                        <p:attrNameLst>
+                                          <p:attrName>style.visibility</p:attrName>
+                                        </p:attrNameLst>
+                                      </p:cBhvr>
+                                      <p:to>
+                                        <p:strVal val="visible"/>
+                                      </p:to>
+                                    </p:set>
+                                  </p:childTnLst>
+                                </p:cTn>
+                              </p:par>
+                            </p:childTnLst>
+                          </p:cTn>
+                        </p:par>
+                      </p:childTnLst>
+                    </p:cTn>
+                  </p:par>
+                  <p:par>
+                    <p:cTn id="7" fill="hold">
+                      <p:stCondLst>
+                        <p:cond delay="indefinite"/>
+                      </p:stCondLst>
+                      <p:childTnLst>
+                        <p:par>
+                          <p:cTn id="8" fill="hold">
+                            <p:stCondLst>
+                              <p:cond delay="0"/>
+                            </p:stCondLst>
+                            <p:childTnLst>
+                              <p:par>
+                                <p:cTn id="9" presetID="1" presetClass="entr" presetSubtype="0" fill="hold" grpId="0" nodeType="clickEffect">
+                                  <p:stCondLst>
+                                    <p:cond delay="0"/>
+                                  </p:stCondLst>
+                                  <p:childTnLst>
+                                    <p:set>
+                                      <p:cBhvr>
+                                        <p:cTn id="10" dur="1" fill="hold">
+                                          <p:stCondLst>
+                                            <p:cond delay="0"/>
+                                          </p:stCondLst>
+                                        </p:cTn>
+                                        <p:tgtEl>
+                                          <p:spTgt spid="7"/>
+                                        </p:tgtEl>
+                                        <p:attrNameLst>
+                                          <p:attrName>style.visibility</p:attrName>
+                                        </p:attrNameLst>
+                                      </p:cBhvr>
+                                      <p:to>
+                                        <p:strVal val="visible"/>
+                                      </p:to>
+                                    </p:set>
+                                  </p:childTnLst>
+                                </p:cTn>
+                              </p:par>
+                            </p:childTnLst>
+                          </p:cTn>
+                        </p:par>
+                      </p:childTnLst>
+                    </p:cTn>
+                  </p:par>
+                  <p:par>
+                    <p:cTn id="11" fill="hold">
+                      <p:stCondLst>
+                        <p:cond delay="indefinite"/>
+                      </p:stCondLst>
+                      <p:childTnLst>
+                        <p:par>
+                          <p:cTn id="12" fill="hold">
+                            <p:stCondLst>
+                              <p:cond delay="0"/>
+                            </p:stCondLst>
+                            <p:childTnLst>
+                              <p:par>
+                                <p:cTn id="13" presetID="1" presetClass="entr" presetSubtype="0" fill="hold" grpId="0" nodeType="clickEffect">
+                                  <p:stCondLst>
+                                    <p:cond delay="0"/>
+                                  </p:stCondLst>
+                                  <p:childTnLst>
+                                    <p:set>
+                                      <p:cBhvr>
+                                        <p:cTn id="14" dur="1" fill="hold">
+                                          <p:stCondLst>
+                                            <p:cond delay="0"/>
+                                          </p:stCondLst>
+                                        </p:cTn>
+                                        <p:tgtEl>
+                                          <p:spTgt spid="8"/>
+                                        </p:tgtEl>
+                                        <p:attrNameLst>
+                                          <p:attrName>style.visibility</p:attrName>
+                                        </p:attrNameLst>
+                                      </p:cBhvr>
+                                      <p:to>
+                                        <p:strVal val="visible"/>
+                                      </p:to>
+                                    </p:set>
+                                  </p:childTnLst>
+                                </p:cTn>
+                              </p:par>
+                            </p:childTnLst>
+                          </p:cTn>
+                        </p:par>
+                      </p:childTnLst>
+                    </p:cTn>
+                  </p:par>
+                </p:childTnLst>
+              </p:cTn>
+              <p:prevCondLst>
+                <p:cond evt="onPrev" delay="0">
+                  <p:tgtEl>
+                    <p:sldTgt/>
+                  </p:tgtEl>
+                </p:cond>
+              </p:prevCondLst>
+              <p:nextCondLst>
+                <p:cond evt="onNext" delay="0">
+                  <p:tgtEl>
+                    <p:sldTgt/>
+                  </p:tgtEl>
+                </p:cond>
+              </p:nextCondLst>
+            </p:seq>
+          </p:childTnLst>
+        </p:cTn>
+      </p:par>
+    </p:tnLst>
+    <p:bldLst>
+      <p:bldP spid="6" grpId="0" animBg="1"/>
+      <p:bldP spid="7" grpId="0" animBg="1"/>
+      <p:bldP spid="8" grpId="0" animBg="1"/>
+    </p:bldLst>
+  </p:timing>
+</p:sld>
+</file>
+
+<file path=ppt/slides/slide15.xml><?xml version="1.0" encoding="utf-8"?>
+<p:sld xmlns:a="http://schemas.openxmlformats.org/drawingml/2006/main" xmlns:r="http://schemas.openxmlformats.org/officeDocument/2006/relationships" xmlns:p="http://schemas.openxmlformats.org/presentationml/2006/main">
+  <p:cSld>
+    <p:spTree>
+      <p:nvGrpSpPr>
+        <p:cNvPr id="1" name=""/>
+        <p:cNvGrpSpPr/>
+        <p:nvPr/>
+      </p:nvGrpSpPr>
+      <p:grpSpPr>
+        <a:xfrm>
+          <a:off x="0" y="0"/>
+          <a:ext cx="0" cy="0"/>
+          <a:chOff x="0" y="0"/>
+          <a:chExt cx="0" cy="0"/>
+        </a:xfrm>
+      </p:grpSpPr>
+      <p:sp>
+        <p:nvSpPr>
+          <p:cNvPr id="2" name="标题 1">
+            <a:extLst>
+              <a:ext uri="{FF2B5EF4-FFF2-40B4-BE49-F238E27FC236}">
+                <a16:creationId xmlns:a16="http://schemas.microsoft.com/office/drawing/2014/main" id="{78DD54A5-AE34-4798-AFDA-807AB2A32998}"/>
+              </a:ext>
+            </a:extLst>
+          </p:cNvPr>
+          <p:cNvSpPr>
+            <a:spLocks noGrp="1"/>
+          </p:cNvSpPr>
+          <p:nvPr>
+            <p:ph type="title"/>
+          </p:nvPr>
+        </p:nvSpPr>
+        <p:spPr/>
+        <p:txBody>
+          <a:bodyPr/>
+          <a:lstStyle/>
+          <a:p>
+            <a:r>
+              <a:rPr lang="zh-CN" altLang="en-US"/>
+              <a:t>总结</a:t>
+            </a:r>
+          </a:p>
+        </p:txBody>
+      </p:sp>
+      <p:sp>
+        <p:nvSpPr>
+          <p:cNvPr id="3" name="内容占位符 2">
+            <a:extLst>
+              <a:ext uri="{FF2B5EF4-FFF2-40B4-BE49-F238E27FC236}">
+                <a16:creationId xmlns:a16="http://schemas.microsoft.com/office/drawing/2014/main" id="{DE7AFC67-2254-427B-A7AF-2E9F519692E1}"/>
+              </a:ext>
+            </a:extLst>
+          </p:cNvPr>
+          <p:cNvSpPr>
+            <a:spLocks noGrp="1"/>
+          </p:cNvSpPr>
+          <p:nvPr>
+            <p:ph idx="1"/>
+          </p:nvPr>
+        </p:nvSpPr>
+        <p:spPr/>
+        <p:txBody>
+          <a:bodyPr/>
+          <a:lstStyle/>
+          <a:p>
+            <a:r>
+              <a:rPr lang="zh-CN" altLang="en-US" b="0" i="0">
+                <a:solidFill>
+                  <a:srgbClr val="34495E"/>
+                </a:solidFill>
+                <a:effectLst/>
+                <a:latin typeface="Source Sans Pro" panose="020B0503030403020204" pitchFamily="34" charset="0"/>
+              </a:rPr>
+              <a:t>实际上，除了以上三种涌现能力的蒸馏，只要是从教授模型收集某种类型的数据，然后用这些数据微调学生模型，都是黑盒蒸馏的应用范围。 因此，对于一些特定领域和特定需求的任务，也可以使用类似的方法达到希望的效果。比如近期上海交通大学的</a:t>
+            </a:r>
+            <a:r>
+              <a:rPr lang="en-US" altLang="zh-CN" b="1" i="0" u="none" strike="noStrike">
+                <a:effectLst/>
+                <a:latin typeface="Source Sans Pro" panose="020B0503030403020204" pitchFamily="34" charset="0"/>
+                <a:hlinkClick r:id="rId2"/>
+              </a:rPr>
+              <a:t>O1</a:t>
+            </a:r>
+            <a:r>
+              <a:rPr lang="zh-CN" altLang="en-US" b="1" i="0" u="none" strike="noStrike">
+                <a:effectLst/>
+                <a:latin typeface="Source Sans Pro" panose="020B0503030403020204" pitchFamily="34" charset="0"/>
+                <a:hlinkClick r:id="rId2"/>
+              </a:rPr>
+              <a:t>复现论文</a:t>
+            </a:r>
+            <a:r>
+              <a:rPr lang="zh-CN" altLang="en-US" b="0" i="0">
+                <a:solidFill>
+                  <a:srgbClr val="34495E"/>
+                </a:solidFill>
+                <a:effectLst/>
+                <a:latin typeface="Source Sans Pro" panose="020B0503030403020204" pitchFamily="34" charset="0"/>
+              </a:rPr>
+              <a:t>就是一个很好的对教师模型的推理能力进行蒸馏的例子。</a:t>
+            </a:r>
+            <a:endParaRPr lang="en-US" altLang="zh-CN" b="0" i="0">
+              <a:solidFill>
+                <a:srgbClr val="34495E"/>
+              </a:solidFill>
+              <a:effectLst/>
+              <a:latin typeface="Source Sans Pro" panose="020B0503030403020204" pitchFamily="34" charset="0"/>
+            </a:endParaRPr>
+          </a:p>
+          <a:p>
+            <a:endParaRPr lang="en-US" altLang="zh-CN">
+              <a:solidFill>
+                <a:srgbClr val="34495E"/>
+              </a:solidFill>
+              <a:latin typeface="Source Sans Pro" panose="020B0503030403020204" pitchFamily="34" charset="0"/>
+            </a:endParaRPr>
+          </a:p>
+          <a:p>
+            <a:r>
+              <a:rPr lang="zh-CN" altLang="en-US" sz="1800"/>
+              <a:t>明白大模型蒸馏的概念和知识架构  </a:t>
+            </a:r>
+            <a:r>
+              <a:rPr lang="en-US" altLang="zh-CN" b="1" i="1">
+                <a:solidFill>
+                  <a:srgbClr val="00B050"/>
+                </a:solidFill>
+              </a:rPr>
+              <a:t>done </a:t>
+            </a:r>
+          </a:p>
+          <a:p>
+            <a:r>
+              <a:rPr lang="zh-CN" altLang="en-US" sz="1800"/>
+              <a:t>理解白盒蒸馏的概念和典型算法  </a:t>
+            </a:r>
+            <a:r>
+              <a:rPr lang="en-US" altLang="zh-CN" b="1" i="1">
+                <a:solidFill>
+                  <a:srgbClr val="00B050"/>
+                </a:solidFill>
+              </a:rPr>
+              <a:t>done</a:t>
+            </a:r>
+          </a:p>
+          <a:p>
+            <a:r>
+              <a:rPr lang="zh-CN" altLang="en-US" sz="1800"/>
+              <a:t>理解黑盒蒸馏的概念和典型算法  </a:t>
+            </a:r>
+            <a:r>
+              <a:rPr lang="en-US" altLang="zh-CN" b="1" i="1">
+                <a:solidFill>
+                  <a:srgbClr val="00B050"/>
+                </a:solidFill>
+              </a:rPr>
+              <a:t>done</a:t>
+            </a:r>
+          </a:p>
+          <a:p>
+            <a:r>
+              <a:rPr lang="zh-CN" altLang="en-US" sz="1800"/>
+              <a:t>能够亲自动手蒸馏一个</a:t>
+            </a:r>
+            <a:r>
+              <a:rPr lang="en-US" altLang="zh-CN" sz="1800"/>
+              <a:t>GPT-2     </a:t>
+            </a:r>
+            <a:r>
+              <a:rPr lang="en-US" altLang="zh-CN" sz="1800" b="1" i="1">
+                <a:solidFill>
+                  <a:srgbClr val="FF0000"/>
+                </a:solidFill>
+              </a:rPr>
+              <a:t>please read the docs</a:t>
+            </a:r>
+            <a:endParaRPr lang="en-US" altLang="zh-CN" b="1" i="1">
+              <a:solidFill>
+                <a:srgbClr val="FF0000"/>
+              </a:solidFill>
+              <a:effectLst/>
+              <a:latin typeface="Source Sans Pro" panose="020B0503030403020204" pitchFamily="34" charset="0"/>
+            </a:endParaRPr>
+          </a:p>
+          <a:p>
+            <a:endParaRPr lang="zh-CN" altLang="en-US"/>
+          </a:p>
+        </p:txBody>
+      </p:sp>
+    </p:spTree>
+    <p:extLst>
+      <p:ext uri="{BB962C8B-B14F-4D97-AF65-F5344CB8AC3E}">
+        <p14:creationId xmlns:p14="http://schemas.microsoft.com/office/powerpoint/2010/main" val="154210667"/>
+      </p:ext>
+    </p:extLst>
+  </p:cSld>
+  <p:clrMapOvr>
+    <a:masterClrMapping/>
+  </p:clrMapOvr>
+</p:sld>
+</file>
+
 <file path=ppt/slides/slide2.xml><?xml version="1.0" encoding="utf-8"?>
 <p:sld xmlns:a="http://schemas.openxmlformats.org/drawingml/2006/main" xmlns:r="http://schemas.openxmlformats.org/officeDocument/2006/relationships" xmlns:p="http://schemas.openxmlformats.org/presentationml/2006/main">
   <p:cSld>
@@ -9190,6 +10732,415 @@
           <p:cNvPr id="2" name="标题 1">
             <a:extLst>
               <a:ext uri="{FF2B5EF4-FFF2-40B4-BE49-F238E27FC236}">
+                <a16:creationId xmlns:a16="http://schemas.microsoft.com/office/drawing/2014/main" id="{C8DB4258-0017-4866-B40A-7DEBF1AEC181}"/>
+              </a:ext>
+            </a:extLst>
+          </p:cNvPr>
+          <p:cNvSpPr>
+            <a:spLocks noGrp="1"/>
+          </p:cNvSpPr>
+          <p:nvPr>
+            <p:ph type="title"/>
+          </p:nvPr>
+        </p:nvSpPr>
+        <p:spPr/>
+        <p:txBody>
+          <a:bodyPr/>
+          <a:lstStyle/>
+          <a:p>
+            <a:r>
+              <a:rPr lang="zh-CN" altLang="en-US"/>
+              <a:t>蒸馏基础</a:t>
+            </a:r>
+          </a:p>
+        </p:txBody>
+      </p:sp>
+      <p:sp>
+        <p:nvSpPr>
+          <p:cNvPr id="3" name="内容占位符 2">
+            <a:extLst>
+              <a:ext uri="{FF2B5EF4-FFF2-40B4-BE49-F238E27FC236}">
+                <a16:creationId xmlns:a16="http://schemas.microsoft.com/office/drawing/2014/main" id="{D53CDAE6-44C9-42F0-82B5-7EDB6FBB4FF2}"/>
+              </a:ext>
+            </a:extLst>
+          </p:cNvPr>
+          <p:cNvSpPr>
+            <a:spLocks noGrp="1"/>
+          </p:cNvSpPr>
+          <p:nvPr>
+            <p:ph idx="1"/>
+          </p:nvPr>
+        </p:nvSpPr>
+        <p:spPr/>
+        <p:txBody>
+          <a:bodyPr>
+            <a:normAutofit/>
+          </a:bodyPr>
+          <a:lstStyle/>
+          <a:p>
+            <a:r>
+              <a:rPr lang="zh-CN" altLang="en-US" sz="2400"/>
+              <a:t>模型输出叫做</a:t>
+            </a:r>
+            <a:r>
+              <a:rPr lang="en-US" altLang="zh-CN" sz="2400"/>
+              <a:t>logits</a:t>
+            </a:r>
+          </a:p>
+          <a:p>
+            <a:r>
+              <a:rPr lang="en-US" altLang="zh-CN" sz="2400"/>
+              <a:t>Logits</a:t>
+            </a:r>
+            <a:r>
+              <a:rPr lang="zh-CN" altLang="en-US" sz="2400"/>
+              <a:t>经过最后一层</a:t>
+            </a:r>
+            <a:r>
+              <a:rPr lang="en-US" altLang="zh-CN" sz="2400"/>
+              <a:t>softmax</a:t>
+            </a:r>
+            <a:r>
+              <a:rPr lang="zh-CN" altLang="en-US" sz="2400"/>
+              <a:t>层后，归一化为概率分布</a:t>
+            </a:r>
+            <a:endParaRPr lang="en-US" altLang="zh-CN" sz="2400"/>
+          </a:p>
+          <a:p>
+            <a:r>
+              <a:rPr lang="zh-CN" altLang="en-US" sz="2400"/>
+              <a:t>概率分布代表了词表中每一个词的出现概率</a:t>
+            </a:r>
+          </a:p>
+        </p:txBody>
+      </p:sp>
+    </p:spTree>
+    <p:extLst>
+      <p:ext uri="{BB962C8B-B14F-4D97-AF65-F5344CB8AC3E}">
+        <p14:creationId xmlns:p14="http://schemas.microsoft.com/office/powerpoint/2010/main" val="116383380"/>
+      </p:ext>
+    </p:extLst>
+  </p:cSld>
+  <p:clrMapOvr>
+    <a:masterClrMapping/>
+  </p:clrMapOvr>
+</p:sld>
+</file>
+
+<file path=ppt/slides/slide6.xml><?xml version="1.0" encoding="utf-8"?>
+<p:sld xmlns:a="http://schemas.openxmlformats.org/drawingml/2006/main" xmlns:r="http://schemas.openxmlformats.org/officeDocument/2006/relationships" xmlns:p="http://schemas.openxmlformats.org/presentationml/2006/main">
+  <p:cSld>
+    <p:spTree>
+      <p:nvGrpSpPr>
+        <p:cNvPr id="1" name=""/>
+        <p:cNvGrpSpPr/>
+        <p:nvPr/>
+      </p:nvGrpSpPr>
+      <p:grpSpPr>
+        <a:xfrm>
+          <a:off x="0" y="0"/>
+          <a:ext cx="0" cy="0"/>
+          <a:chOff x="0" y="0"/>
+          <a:chExt cx="0" cy="0"/>
+        </a:xfrm>
+      </p:grpSpPr>
+      <p:sp>
+        <p:nvSpPr>
+          <p:cNvPr id="2" name="标题 1">
+            <a:extLst>
+              <a:ext uri="{FF2B5EF4-FFF2-40B4-BE49-F238E27FC236}">
+                <a16:creationId xmlns:a16="http://schemas.microsoft.com/office/drawing/2014/main" id="{D2AFB393-0416-4CBD-AA3F-4EF625E17F30}"/>
+              </a:ext>
+            </a:extLst>
+          </p:cNvPr>
+          <p:cNvSpPr>
+            <a:spLocks noGrp="1"/>
+          </p:cNvSpPr>
+          <p:nvPr>
+            <p:ph type="title"/>
+          </p:nvPr>
+        </p:nvSpPr>
+        <p:spPr/>
+        <p:txBody>
+          <a:bodyPr/>
+          <a:lstStyle/>
+          <a:p>
+            <a:r>
+              <a:rPr lang="zh-CN" altLang="en-US"/>
+              <a:t>传统蒸馏</a:t>
+            </a:r>
+          </a:p>
+        </p:txBody>
+      </p:sp>
+      <p:pic>
+        <p:nvPicPr>
+          <p:cNvPr id="5" name="内容占位符 4">
+            <a:extLst>
+              <a:ext uri="{FF2B5EF4-FFF2-40B4-BE49-F238E27FC236}">
+                <a16:creationId xmlns:a16="http://schemas.microsoft.com/office/drawing/2014/main" id="{C7B6F097-A438-4613-82CF-178F95DFA884}"/>
+              </a:ext>
+            </a:extLst>
+          </p:cNvPr>
+          <p:cNvPicPr>
+            <a:picLocks noGrp="1" noChangeAspect="1"/>
+          </p:cNvPicPr>
+          <p:nvPr>
+            <p:ph idx="1"/>
+          </p:nvPr>
+        </p:nvPicPr>
+        <p:blipFill>
+          <a:blip r:embed="rId2"/>
+          <a:stretch>
+            <a:fillRect/>
+          </a:stretch>
+        </p:blipFill>
+        <p:spPr>
+          <a:xfrm>
+            <a:off x="3943887" y="1657183"/>
+            <a:ext cx="6947459" cy="2338346"/>
+          </a:xfrm>
+        </p:spPr>
+      </p:pic>
+      <p:sp>
+        <p:nvSpPr>
+          <p:cNvPr id="6" name="文本框 5">
+            <a:extLst>
+              <a:ext uri="{FF2B5EF4-FFF2-40B4-BE49-F238E27FC236}">
+                <a16:creationId xmlns:a16="http://schemas.microsoft.com/office/drawing/2014/main" id="{79E4D2F7-4B88-44C3-8C3B-28E9500B7F79}"/>
+              </a:ext>
+            </a:extLst>
+          </p:cNvPr>
+          <p:cNvSpPr txBox="1"/>
+          <p:nvPr/>
+        </p:nvSpPr>
+        <p:spPr>
+          <a:xfrm>
+            <a:off x="4353340" y="4144617"/>
+            <a:ext cx="2325756" cy="369332"/>
+          </a:xfrm>
+          <a:prstGeom prst="rect">
+            <a:avLst/>
+          </a:prstGeom>
+          <a:noFill/>
+        </p:spPr>
+        <p:txBody>
+          <a:bodyPr wrap="square" rtlCol="0">
+            <a:spAutoFit/>
+          </a:bodyPr>
+          <a:lstStyle/>
+          <a:p>
+            <a:r>
+              <a:rPr lang="zh-CN" altLang="en-US"/>
+              <a:t>教师模型预测分布</a:t>
+            </a:r>
+          </a:p>
+        </p:txBody>
+      </p:sp>
+      <p:sp>
+        <p:nvSpPr>
+          <p:cNvPr id="7" name="文本框 6">
+            <a:extLst>
+              <a:ext uri="{FF2B5EF4-FFF2-40B4-BE49-F238E27FC236}">
+                <a16:creationId xmlns:a16="http://schemas.microsoft.com/office/drawing/2014/main" id="{E403FEBF-3B9E-4B89-B195-7E27DF3D08CA}"/>
+              </a:ext>
+            </a:extLst>
+          </p:cNvPr>
+          <p:cNvSpPr txBox="1"/>
+          <p:nvPr/>
+        </p:nvSpPr>
+        <p:spPr>
+          <a:xfrm>
+            <a:off x="8183218" y="4144617"/>
+            <a:ext cx="3773556" cy="646331"/>
+          </a:xfrm>
+          <a:prstGeom prst="rect">
+            <a:avLst/>
+          </a:prstGeom>
+          <a:noFill/>
+        </p:spPr>
+        <p:txBody>
+          <a:bodyPr wrap="square" rtlCol="0">
+            <a:spAutoFit/>
+          </a:bodyPr>
+          <a:lstStyle/>
+          <a:p>
+            <a:r>
+              <a:rPr lang="zh-CN" altLang="en-US"/>
+              <a:t>教师模型预测分布（温度平滑后），供学生模型学习，</a:t>
+            </a:r>
+            <a:r>
+              <a:rPr lang="en-US" altLang="zh-CN"/>
+              <a:t>loss</a:t>
+            </a:r>
+            <a:r>
+              <a:rPr lang="zh-CN" altLang="en-US"/>
+              <a:t>使用</a:t>
+            </a:r>
+            <a:r>
+              <a:rPr lang="en-US" altLang="zh-CN"/>
+              <a:t>KL</a:t>
+            </a:r>
+            <a:r>
+              <a:rPr lang="zh-CN" altLang="en-US"/>
+              <a:t>散度。</a:t>
+            </a:r>
+          </a:p>
+        </p:txBody>
+      </p:sp>
+      <p:sp>
+        <p:nvSpPr>
+          <p:cNvPr id="8" name="文本框 7">
+            <a:extLst>
+              <a:ext uri="{FF2B5EF4-FFF2-40B4-BE49-F238E27FC236}">
+                <a16:creationId xmlns:a16="http://schemas.microsoft.com/office/drawing/2014/main" id="{8975E9D4-DC4E-4E08-B428-5A04BB4D6201}"/>
+              </a:ext>
+            </a:extLst>
+          </p:cNvPr>
+          <p:cNvSpPr txBox="1"/>
+          <p:nvPr/>
+        </p:nvSpPr>
+        <p:spPr>
+          <a:xfrm>
+            <a:off x="1676578" y="2826356"/>
+            <a:ext cx="2236304" cy="523220"/>
+          </a:xfrm>
+          <a:prstGeom prst="rect">
+            <a:avLst/>
+          </a:prstGeom>
+          <a:noFill/>
+        </p:spPr>
+        <p:txBody>
+          <a:bodyPr wrap="square" rtlCol="0">
+            <a:spAutoFit/>
+          </a:bodyPr>
+          <a:lstStyle/>
+          <a:p>
+            <a:r>
+              <a:rPr lang="zh-CN" altLang="en-US" sz="2800" b="1">
+                <a:solidFill>
+                  <a:srgbClr val="FF0000"/>
+                </a:solidFill>
+                <a:highlight>
+                  <a:srgbClr val="00FFFF"/>
+                </a:highlight>
+              </a:rPr>
+              <a:t>软目标学习</a:t>
+            </a:r>
+          </a:p>
+        </p:txBody>
+      </p:sp>
+      <p:sp>
+        <p:nvSpPr>
+          <p:cNvPr id="9" name="文本框 8">
+            <a:extLst>
+              <a:ext uri="{FF2B5EF4-FFF2-40B4-BE49-F238E27FC236}">
+                <a16:creationId xmlns:a16="http://schemas.microsoft.com/office/drawing/2014/main" id="{B6367B73-87AD-46D6-A356-B64114DC79CE}"/>
+              </a:ext>
+            </a:extLst>
+          </p:cNvPr>
+          <p:cNvSpPr txBox="1"/>
+          <p:nvPr/>
+        </p:nvSpPr>
+        <p:spPr>
+          <a:xfrm>
+            <a:off x="1689542" y="5710670"/>
+            <a:ext cx="2236304" cy="523220"/>
+          </a:xfrm>
+          <a:prstGeom prst="rect">
+            <a:avLst/>
+          </a:prstGeom>
+          <a:noFill/>
+        </p:spPr>
+        <p:txBody>
+          <a:bodyPr wrap="square" rtlCol="0">
+            <a:spAutoFit/>
+          </a:bodyPr>
+          <a:lstStyle/>
+          <a:p>
+            <a:r>
+              <a:rPr lang="zh-CN" altLang="en-US" sz="2800" b="1">
+                <a:solidFill>
+                  <a:srgbClr val="FF0000"/>
+                </a:solidFill>
+                <a:highlight>
+                  <a:srgbClr val="00FFFF"/>
+                </a:highlight>
+              </a:rPr>
+              <a:t>硬目标学习</a:t>
+            </a:r>
+          </a:p>
+        </p:txBody>
+      </p:sp>
+      <p:sp>
+        <p:nvSpPr>
+          <p:cNvPr id="10" name="文本框 9">
+            <a:extLst>
+              <a:ext uri="{FF2B5EF4-FFF2-40B4-BE49-F238E27FC236}">
+                <a16:creationId xmlns:a16="http://schemas.microsoft.com/office/drawing/2014/main" id="{F3D3CE8F-E275-42BF-A1DA-A582B47DD708}"/>
+              </a:ext>
+            </a:extLst>
+          </p:cNvPr>
+          <p:cNvSpPr txBox="1"/>
+          <p:nvPr/>
+        </p:nvSpPr>
+        <p:spPr>
+          <a:xfrm>
+            <a:off x="4575025" y="5787614"/>
+            <a:ext cx="2842591" cy="400110"/>
+          </a:xfrm>
+          <a:prstGeom prst="rect">
+            <a:avLst/>
+          </a:prstGeom>
+          <a:noFill/>
+        </p:spPr>
+        <p:txBody>
+          <a:bodyPr wrap="square" rtlCol="0">
+            <a:spAutoFit/>
+          </a:bodyPr>
+          <a:lstStyle/>
+          <a:p>
+            <a:r>
+              <a:rPr lang="zh-CN" altLang="en-US" sz="2000"/>
+              <a:t>和真实标签的交叉熵</a:t>
+            </a:r>
+          </a:p>
+        </p:txBody>
+      </p:sp>
+    </p:spTree>
+    <p:extLst>
+      <p:ext uri="{BB962C8B-B14F-4D97-AF65-F5344CB8AC3E}">
+        <p14:creationId xmlns:p14="http://schemas.microsoft.com/office/powerpoint/2010/main" val="3742105538"/>
+      </p:ext>
+    </p:extLst>
+  </p:cSld>
+  <p:clrMapOvr>
+    <a:masterClrMapping/>
+  </p:clrMapOvr>
+</p:sld>
+</file>
+
+<file path=ppt/slides/slide7.xml><?xml version="1.0" encoding="utf-8"?>
+<p:sld xmlns:a="http://schemas.openxmlformats.org/drawingml/2006/main" xmlns:r="http://schemas.openxmlformats.org/officeDocument/2006/relationships" xmlns:p="http://schemas.openxmlformats.org/presentationml/2006/main">
+  <p:cSld>
+    <p:spTree>
+      <p:nvGrpSpPr>
+        <p:cNvPr id="1" name=""/>
+        <p:cNvGrpSpPr/>
+        <p:nvPr/>
+      </p:nvGrpSpPr>
+      <p:grpSpPr>
+        <a:xfrm>
+          <a:off x="0" y="0"/>
+          <a:ext cx="0" cy="0"/>
+          <a:chOff x="0" y="0"/>
+          <a:chExt cx="0" cy="0"/>
+        </a:xfrm>
+      </p:grpSpPr>
+      <p:sp>
+        <p:nvSpPr>
+          <p:cNvPr id="2" name="标题 1">
+            <a:extLst>
+              <a:ext uri="{FF2B5EF4-FFF2-40B4-BE49-F238E27FC236}">
                 <a16:creationId xmlns:a16="http://schemas.microsoft.com/office/drawing/2014/main" id="{19B95DC1-895E-4DDE-BF78-5C0E5862C864}"/>
               </a:ext>
             </a:extLst>
@@ -9231,10 +11182,23 @@
         </p:nvSpPr>
         <p:spPr/>
         <p:txBody>
-          <a:bodyPr/>
+          <a:bodyPr>
+            <a:normAutofit/>
+          </a:bodyPr>
           <a:lstStyle/>
           <a:p>
-            <a:endParaRPr lang="zh-CN" altLang="en-US"/>
+            <a:r>
+              <a:rPr lang="zh-CN" altLang="en-US" sz="3200"/>
+              <a:t>在蒸馏过程中使用到教师模型的参数或 </a:t>
+            </a:r>
+            <a:r>
+              <a:rPr lang="en-US" altLang="zh-CN" sz="3200"/>
+              <a:t>logits </a:t>
+            </a:r>
+            <a:r>
+              <a:rPr lang="zh-CN" altLang="en-US" sz="3200"/>
+              <a:t>的 蒸馏技术。</a:t>
+            </a:r>
           </a:p>
         </p:txBody>
       </p:sp>
@@ -9242,6 +11206,374 @@
     <p:extLst>
       <p:ext uri="{BB962C8B-B14F-4D97-AF65-F5344CB8AC3E}">
         <p14:creationId xmlns:p14="http://schemas.microsoft.com/office/powerpoint/2010/main" val="711498856"/>
+      </p:ext>
+    </p:extLst>
+  </p:cSld>
+  <p:clrMapOvr>
+    <a:masterClrMapping/>
+  </p:clrMapOvr>
+</p:sld>
+</file>
+
+<file path=ppt/slides/slide8.xml><?xml version="1.0" encoding="utf-8"?>
+<p:sld xmlns:a="http://schemas.openxmlformats.org/drawingml/2006/main" xmlns:r="http://schemas.openxmlformats.org/officeDocument/2006/relationships" xmlns:p="http://schemas.openxmlformats.org/presentationml/2006/main">
+  <p:cSld>
+    <p:spTree>
+      <p:nvGrpSpPr>
+        <p:cNvPr id="1" name=""/>
+        <p:cNvGrpSpPr/>
+        <p:nvPr/>
+      </p:nvGrpSpPr>
+      <p:grpSpPr>
+        <a:xfrm>
+          <a:off x="0" y="0"/>
+          <a:ext cx="0" cy="0"/>
+          <a:chOff x="0" y="0"/>
+          <a:chExt cx="0" cy="0"/>
+        </a:xfrm>
+      </p:grpSpPr>
+      <p:sp>
+        <p:nvSpPr>
+          <p:cNvPr id="2" name="标题 1">
+            <a:extLst>
+              <a:ext uri="{FF2B5EF4-FFF2-40B4-BE49-F238E27FC236}">
+                <a16:creationId xmlns:a16="http://schemas.microsoft.com/office/drawing/2014/main" id="{FF746844-65BF-4DEB-AD28-93C2FCE6A115}"/>
+              </a:ext>
+            </a:extLst>
+          </p:cNvPr>
+          <p:cNvSpPr>
+            <a:spLocks noGrp="1"/>
+          </p:cNvSpPr>
+          <p:nvPr>
+            <p:ph type="title"/>
+          </p:nvPr>
+        </p:nvSpPr>
+        <p:spPr/>
+        <p:txBody>
+          <a:bodyPr/>
+          <a:lstStyle/>
+          <a:p>
+            <a:r>
+              <a:rPr lang="zh-CN" altLang="en-US"/>
+              <a:t>白盒蒸馏</a:t>
+            </a:r>
+            <a:r>
+              <a:rPr lang="en-US" altLang="zh-CN"/>
+              <a:t>-MiniLLM</a:t>
+            </a:r>
+            <a:endParaRPr lang="zh-CN" altLang="en-US"/>
+          </a:p>
+        </p:txBody>
+      </p:sp>
+      <p:pic>
+        <p:nvPicPr>
+          <p:cNvPr id="5" name="内容占位符 4">
+            <a:extLst>
+              <a:ext uri="{FF2B5EF4-FFF2-40B4-BE49-F238E27FC236}">
+                <a16:creationId xmlns:a16="http://schemas.microsoft.com/office/drawing/2014/main" id="{BFA07A04-79B9-400A-B6C5-DA9351658E0D}"/>
+              </a:ext>
+            </a:extLst>
+          </p:cNvPr>
+          <p:cNvPicPr>
+            <a:picLocks noGrp="1" noChangeAspect="1"/>
+          </p:cNvPicPr>
+          <p:nvPr>
+            <p:ph idx="1"/>
+          </p:nvPr>
+        </p:nvPicPr>
+        <p:blipFill>
+          <a:blip r:embed="rId2"/>
+          <a:stretch>
+            <a:fillRect/>
+          </a:stretch>
+        </p:blipFill>
+        <p:spPr>
+          <a:xfrm>
+            <a:off x="3802003" y="1801455"/>
+            <a:ext cx="5469270" cy="892047"/>
+          </a:xfrm>
+        </p:spPr>
+      </p:pic>
+      <p:pic>
+        <p:nvPicPr>
+          <p:cNvPr id="7" name="图片 6">
+            <a:extLst>
+              <a:ext uri="{FF2B5EF4-FFF2-40B4-BE49-F238E27FC236}">
+                <a16:creationId xmlns:a16="http://schemas.microsoft.com/office/drawing/2014/main" id="{9787B4F4-B7A1-4B5D-B3CF-69718A54AF87}"/>
+              </a:ext>
+            </a:extLst>
+          </p:cNvPr>
+          <p:cNvPicPr>
+            <a:picLocks noChangeAspect="1"/>
+          </p:cNvPicPr>
+          <p:nvPr/>
+        </p:nvPicPr>
+        <p:blipFill>
+          <a:blip r:embed="rId3"/>
+          <a:stretch>
+            <a:fillRect/>
+          </a:stretch>
+        </p:blipFill>
+        <p:spPr>
+          <a:xfrm>
+            <a:off x="2839645" y="3197136"/>
+            <a:ext cx="7188569" cy="3511730"/>
+          </a:xfrm>
+          <a:prstGeom prst="rect">
+            <a:avLst/>
+          </a:prstGeom>
+        </p:spPr>
+      </p:pic>
+      <p:sp>
+        <p:nvSpPr>
+          <p:cNvPr id="11" name="文本框 10">
+            <a:extLst>
+              <a:ext uri="{FF2B5EF4-FFF2-40B4-BE49-F238E27FC236}">
+                <a16:creationId xmlns:a16="http://schemas.microsoft.com/office/drawing/2014/main" id="{44160E35-DC6D-45FE-9E34-36E53ACECDC5}"/>
+              </a:ext>
+            </a:extLst>
+          </p:cNvPr>
+          <p:cNvSpPr txBox="1"/>
+          <p:nvPr/>
+        </p:nvSpPr>
+        <p:spPr>
+          <a:xfrm>
+            <a:off x="3802003" y="2463127"/>
+            <a:ext cx="6097656" cy="646331"/>
+          </a:xfrm>
+          <a:prstGeom prst="rect">
+            <a:avLst/>
+          </a:prstGeom>
+          <a:noFill/>
+        </p:spPr>
+        <p:txBody>
+          <a:bodyPr wrap="square">
+            <a:spAutoFit/>
+          </a:bodyPr>
+          <a:lstStyle/>
+          <a:p>
+            <a:r>
+              <a:rPr lang="zh-CN" altLang="en-US" b="0" i="0">
+                <a:solidFill>
+                  <a:srgbClr val="34495E"/>
+                </a:solidFill>
+                <a:effectLst/>
+                <a:latin typeface="Source Sans Pro" panose="020B0604020202020204" pitchFamily="34" charset="0"/>
+              </a:rPr>
+              <a:t>老师分布为</a:t>
+            </a:r>
+            <a:r>
+              <a:rPr lang="en-US" altLang="zh-CN" b="0" i="1">
+                <a:solidFill>
+                  <a:srgbClr val="34495E"/>
+                </a:solidFill>
+                <a:effectLst/>
+                <a:latin typeface="KaTeX_Math"/>
+              </a:rPr>
+              <a:t>p</a:t>
+            </a:r>
+            <a:r>
+              <a:rPr lang="en-US" altLang="zh-CN" b="0" i="0">
+                <a:solidFill>
+                  <a:srgbClr val="34495E"/>
+                </a:solidFill>
+                <a:effectLst/>
+                <a:latin typeface="Source Sans Pro" panose="020B0604020202020204" pitchFamily="34" charset="0"/>
+              </a:rPr>
+              <a:t>, </a:t>
+            </a:r>
+            <a:r>
+              <a:rPr lang="zh-CN" altLang="en-US" b="0" i="0">
+                <a:solidFill>
+                  <a:srgbClr val="34495E"/>
+                </a:solidFill>
+                <a:effectLst/>
+                <a:latin typeface="Source Sans Pro" panose="020B0604020202020204" pitchFamily="34" charset="0"/>
+              </a:rPr>
+              <a:t>学生分布为</a:t>
+            </a:r>
+            <a:r>
+              <a:rPr lang="en-US" altLang="zh-CN" b="0">
+                <a:solidFill>
+                  <a:srgbClr val="34495E"/>
+                </a:solidFill>
+                <a:effectLst/>
+                <a:latin typeface="KaTeX_Main"/>
+              </a:rPr>
+              <a:t>qθ</a:t>
+            </a:r>
+            <a:r>
+              <a:rPr lang="zh-CN" altLang="en-US" b="0">
+                <a:solidFill>
+                  <a:srgbClr val="34495E"/>
+                </a:solidFill>
+                <a:effectLst/>
+                <a:latin typeface="KaTeX_Main"/>
+              </a:rPr>
+              <a:t>​</a:t>
+            </a:r>
+            <a:br>
+              <a:rPr lang="zh-CN" altLang="en-US"/>
+            </a:br>
+            <a:endParaRPr lang="zh-CN" altLang="en-US"/>
+          </a:p>
+        </p:txBody>
+      </p:sp>
+    </p:spTree>
+    <p:extLst>
+      <p:ext uri="{BB962C8B-B14F-4D97-AF65-F5344CB8AC3E}">
+        <p14:creationId xmlns:p14="http://schemas.microsoft.com/office/powerpoint/2010/main" val="1576007638"/>
+      </p:ext>
+    </p:extLst>
+  </p:cSld>
+  <p:clrMapOvr>
+    <a:masterClrMapping/>
+  </p:clrMapOvr>
+</p:sld>
+</file>
+
+<file path=ppt/slides/slide9.xml><?xml version="1.0" encoding="utf-8"?>
+<p:sld xmlns:a="http://schemas.openxmlformats.org/drawingml/2006/main" xmlns:r="http://schemas.openxmlformats.org/officeDocument/2006/relationships" xmlns:p="http://schemas.openxmlformats.org/presentationml/2006/main">
+  <p:cSld>
+    <p:spTree>
+      <p:nvGrpSpPr>
+        <p:cNvPr id="1" name=""/>
+        <p:cNvGrpSpPr/>
+        <p:nvPr/>
+      </p:nvGrpSpPr>
+      <p:grpSpPr>
+        <a:xfrm>
+          <a:off x="0" y="0"/>
+          <a:ext cx="0" cy="0"/>
+          <a:chOff x="0" y="0"/>
+          <a:chExt cx="0" cy="0"/>
+        </a:xfrm>
+      </p:grpSpPr>
+      <p:sp>
+        <p:nvSpPr>
+          <p:cNvPr id="2" name="标题 1">
+            <a:extLst>
+              <a:ext uri="{FF2B5EF4-FFF2-40B4-BE49-F238E27FC236}">
+                <a16:creationId xmlns:a16="http://schemas.microsoft.com/office/drawing/2014/main" id="{7EFAD5CC-64F3-47C9-97A7-CC9CC6B60D07}"/>
+              </a:ext>
+            </a:extLst>
+          </p:cNvPr>
+          <p:cNvSpPr>
+            <a:spLocks noGrp="1"/>
+          </p:cNvSpPr>
+          <p:nvPr>
+            <p:ph type="title"/>
+          </p:nvPr>
+        </p:nvSpPr>
+        <p:spPr/>
+        <p:txBody>
+          <a:bodyPr/>
+          <a:lstStyle/>
+          <a:p>
+            <a:r>
+              <a:rPr lang="en-US" altLang="zh-CN"/>
+              <a:t>BabyLlama</a:t>
+            </a:r>
+            <a:r>
+              <a:rPr lang="zh-CN" altLang="en-US"/>
+              <a:t>（实践）</a:t>
+            </a:r>
+          </a:p>
+        </p:txBody>
+      </p:sp>
+      <p:pic>
+        <p:nvPicPr>
+          <p:cNvPr id="5" name="内容占位符 4">
+            <a:extLst>
+              <a:ext uri="{FF2B5EF4-FFF2-40B4-BE49-F238E27FC236}">
+                <a16:creationId xmlns:a16="http://schemas.microsoft.com/office/drawing/2014/main" id="{7196333B-61ED-48D8-B90B-E349B03D7C6F}"/>
+              </a:ext>
+            </a:extLst>
+          </p:cNvPr>
+          <p:cNvPicPr>
+            <a:picLocks noGrp="1" noChangeAspect="1"/>
+          </p:cNvPicPr>
+          <p:nvPr>
+            <p:ph idx="1"/>
+          </p:nvPr>
+        </p:nvPicPr>
+        <p:blipFill>
+          <a:blip r:embed="rId3"/>
+          <a:stretch>
+            <a:fillRect/>
+          </a:stretch>
+        </p:blipFill>
+        <p:spPr>
+          <a:xfrm>
+            <a:off x="257228" y="1546528"/>
+            <a:ext cx="3972575" cy="943129"/>
+          </a:xfrm>
+        </p:spPr>
+      </p:pic>
+      <p:pic>
+        <p:nvPicPr>
+          <p:cNvPr id="7" name="图片 6">
+            <a:extLst>
+              <a:ext uri="{FF2B5EF4-FFF2-40B4-BE49-F238E27FC236}">
+                <a16:creationId xmlns:a16="http://schemas.microsoft.com/office/drawing/2014/main" id="{E3CAC6E7-CDEE-429C-BB77-BC145FE3ACB5}"/>
+              </a:ext>
+            </a:extLst>
+          </p:cNvPr>
+          <p:cNvPicPr>
+            <a:picLocks noChangeAspect="1"/>
+          </p:cNvPicPr>
+          <p:nvPr/>
+        </p:nvPicPr>
+        <p:blipFill>
+          <a:blip r:embed="rId4"/>
+          <a:stretch>
+            <a:fillRect/>
+          </a:stretch>
+        </p:blipFill>
+        <p:spPr>
+          <a:xfrm>
+            <a:off x="4098650" y="4018380"/>
+            <a:ext cx="8093350" cy="2839620"/>
+          </a:xfrm>
+          <a:prstGeom prst="rect">
+            <a:avLst/>
+          </a:prstGeom>
+        </p:spPr>
+      </p:pic>
+      <p:pic>
+        <p:nvPicPr>
+          <p:cNvPr id="9" name="图片 8">
+            <a:extLst>
+              <a:ext uri="{FF2B5EF4-FFF2-40B4-BE49-F238E27FC236}">
+                <a16:creationId xmlns:a16="http://schemas.microsoft.com/office/drawing/2014/main" id="{7AACD2AC-6925-42AB-900C-C187CD899254}"/>
+              </a:ext>
+            </a:extLst>
+          </p:cNvPr>
+          <p:cNvPicPr>
+            <a:picLocks noChangeAspect="1"/>
+          </p:cNvPicPr>
+          <p:nvPr/>
+        </p:nvPicPr>
+        <p:blipFill>
+          <a:blip r:embed="rId5"/>
+          <a:stretch>
+            <a:fillRect/>
+          </a:stretch>
+        </p:blipFill>
+        <p:spPr>
+          <a:xfrm>
+            <a:off x="4098650" y="1570383"/>
+            <a:ext cx="6601556" cy="2447060"/>
+          </a:xfrm>
+          <a:prstGeom prst="rect">
+            <a:avLst/>
+          </a:prstGeom>
+        </p:spPr>
+      </p:pic>
+    </p:spTree>
+    <p:extLst>
+      <p:ext uri="{BB962C8B-B14F-4D97-AF65-F5344CB8AC3E}">
+        <p14:creationId xmlns:p14="http://schemas.microsoft.com/office/powerpoint/2010/main" val="3387248466"/>
       </p:ext>
     </p:extLst>
   </p:cSld>

--- a/PPT/distillation.pptx
+++ b/PPT/distillation.pptx
@@ -5,7 +5,7 @@
     <p:sldMasterId id="2147483815" r:id="rId1"/>
   </p:sldMasterIdLst>
   <p:notesMasterIdLst>
-    <p:notesMasterId r:id="rId17"/>
+    <p:notesMasterId r:id="rId21"/>
   </p:notesMasterIdLst>
   <p:sldIdLst>
     <p:sldId id="256" r:id="rId2"/>
@@ -19,10 +19,14 @@
     <p:sldId id="264" r:id="rId10"/>
     <p:sldId id="265" r:id="rId11"/>
     <p:sldId id="266" r:id="rId12"/>
-    <p:sldId id="267" r:id="rId13"/>
-    <p:sldId id="268" r:id="rId14"/>
-    <p:sldId id="269" r:id="rId15"/>
-    <p:sldId id="270" r:id="rId16"/>
+    <p:sldId id="272" r:id="rId13"/>
+    <p:sldId id="267" r:id="rId14"/>
+    <p:sldId id="268" r:id="rId15"/>
+    <p:sldId id="273" r:id="rId16"/>
+    <p:sldId id="271" r:id="rId17"/>
+    <p:sldId id="269" r:id="rId18"/>
+    <p:sldId id="274" r:id="rId19"/>
+    <p:sldId id="270" r:id="rId20"/>
   </p:sldIdLst>
   <p:sldSz cx="12192000" cy="6858000"/>
   <p:notesSz cx="6858000" cy="9144000"/>
@@ -211,7 +215,7 @@
           <a:p>
             <a:fld id="{63788722-0CBB-4B08-85F5-2FD1C1E36D42}" type="datetimeFigureOut">
               <a:rPr lang="zh-CN" altLang="en-US" smtClean="0"/>
-              <a:t>2024/12/20</a:t>
+              <a:t>2024/12/21</a:t>
             </a:fld>
             <a:endParaRPr lang="zh-CN" altLang="en-US"/>
           </a:p>
@@ -834,7 +838,7 @@
           <a:p>
             <a:fld id="{CCD2BD40-8D68-461D-90B7-BB37F77C8051}" type="datetimeFigureOut">
               <a:rPr lang="zh-CN" altLang="en-US" smtClean="0"/>
-              <a:t>2024/12/20</a:t>
+              <a:t>2024/12/21</a:t>
             </a:fld>
             <a:endParaRPr lang="zh-CN" altLang="en-US"/>
           </a:p>
@@ -1172,7 +1176,7 @@
           <a:p>
             <a:fld id="{CCD2BD40-8D68-461D-90B7-BB37F77C8051}" type="datetimeFigureOut">
               <a:rPr lang="zh-CN" altLang="en-US" smtClean="0"/>
-              <a:t>2024/12/20</a:t>
+              <a:t>2024/12/21</a:t>
             </a:fld>
             <a:endParaRPr lang="zh-CN" altLang="en-US"/>
           </a:p>
@@ -1573,7 +1577,7 @@
           <a:p>
             <a:fld id="{CCD2BD40-8D68-461D-90B7-BB37F77C8051}" type="datetimeFigureOut">
               <a:rPr lang="zh-CN" altLang="en-US" smtClean="0"/>
-              <a:t>2024/12/20</a:t>
+              <a:t>2024/12/21</a:t>
             </a:fld>
             <a:endParaRPr lang="zh-CN" altLang="en-US"/>
           </a:p>
@@ -1909,7 +1913,7 @@
           <a:p>
             <a:fld id="{CCD2BD40-8D68-461D-90B7-BB37F77C8051}" type="datetimeFigureOut">
               <a:rPr lang="zh-CN" altLang="en-US" smtClean="0"/>
-              <a:t>2024/12/20</a:t>
+              <a:t>2024/12/21</a:t>
             </a:fld>
             <a:endParaRPr lang="zh-CN" altLang="en-US"/>
           </a:p>
@@ -2229,7 +2233,7 @@
           <a:p>
             <a:fld id="{CCD2BD40-8D68-461D-90B7-BB37F77C8051}" type="datetimeFigureOut">
               <a:rPr lang="zh-CN" altLang="en-US" smtClean="0"/>
-              <a:t>2024/12/20</a:t>
+              <a:t>2024/12/21</a:t>
             </a:fld>
             <a:endParaRPr lang="zh-CN" altLang="en-US"/>
           </a:p>
@@ -2625,7 +2629,7 @@
           <a:p>
             <a:fld id="{CCD2BD40-8D68-461D-90B7-BB37F77C8051}" type="datetimeFigureOut">
               <a:rPr lang="zh-CN" altLang="en-US" smtClean="0"/>
-              <a:t>2024/12/20</a:t>
+              <a:t>2024/12/21</a:t>
             </a:fld>
             <a:endParaRPr lang="zh-CN" altLang="en-US"/>
           </a:p>
@@ -2882,7 +2886,7 @@
           <a:p>
             <a:fld id="{CCD2BD40-8D68-461D-90B7-BB37F77C8051}" type="datetimeFigureOut">
               <a:rPr lang="zh-CN" altLang="en-US" smtClean="0"/>
-              <a:t>2024/12/20</a:t>
+              <a:t>2024/12/21</a:t>
             </a:fld>
             <a:endParaRPr lang="zh-CN" altLang="en-US"/>
           </a:p>
@@ -3144,7 +3148,7 @@
           <a:p>
             <a:fld id="{CCD2BD40-8D68-461D-90B7-BB37F77C8051}" type="datetimeFigureOut">
               <a:rPr lang="zh-CN" altLang="en-US" smtClean="0"/>
-              <a:t>2024/12/20</a:t>
+              <a:t>2024/12/21</a:t>
             </a:fld>
             <a:endParaRPr lang="zh-CN" altLang="en-US"/>
           </a:p>
@@ -3406,7 +3410,7 @@
           <a:p>
             <a:fld id="{CCD2BD40-8D68-461D-90B7-BB37F77C8051}" type="datetimeFigureOut">
               <a:rPr lang="zh-CN" altLang="en-US" smtClean="0"/>
-              <a:t>2024/12/20</a:t>
+              <a:t>2024/12/21</a:t>
             </a:fld>
             <a:endParaRPr lang="zh-CN" altLang="en-US"/>
           </a:p>
@@ -3735,7 +3739,7 @@
           <a:p>
             <a:fld id="{CCD2BD40-8D68-461D-90B7-BB37F77C8051}" type="datetimeFigureOut">
               <a:rPr lang="zh-CN" altLang="en-US" smtClean="0"/>
-              <a:t>2024/12/20</a:t>
+              <a:t>2024/12/21</a:t>
             </a:fld>
             <a:endParaRPr lang="zh-CN" altLang="en-US"/>
           </a:p>
@@ -4058,7 +4062,7 @@
           <a:p>
             <a:fld id="{CCD2BD40-8D68-461D-90B7-BB37F77C8051}" type="datetimeFigureOut">
               <a:rPr lang="zh-CN" altLang="en-US" smtClean="0"/>
-              <a:t>2024/12/20</a:t>
+              <a:t>2024/12/21</a:t>
             </a:fld>
             <a:endParaRPr lang="zh-CN" altLang="en-US"/>
           </a:p>
@@ -4515,7 +4519,7 @@
           <a:p>
             <a:fld id="{CCD2BD40-8D68-461D-90B7-BB37F77C8051}" type="datetimeFigureOut">
               <a:rPr lang="zh-CN" altLang="en-US" smtClean="0"/>
-              <a:t>2024/12/20</a:t>
+              <a:t>2024/12/21</a:t>
             </a:fld>
             <a:endParaRPr lang="zh-CN" altLang="en-US"/>
           </a:p>
@@ -4720,7 +4724,7 @@
           <a:p>
             <a:fld id="{CCD2BD40-8D68-461D-90B7-BB37F77C8051}" type="datetimeFigureOut">
               <a:rPr lang="zh-CN" altLang="en-US" smtClean="0"/>
-              <a:t>2024/12/20</a:t>
+              <a:t>2024/12/21</a:t>
             </a:fld>
             <a:endParaRPr lang="zh-CN" altLang="en-US"/>
           </a:p>
@@ -4897,7 +4901,7 @@
           <a:p>
             <a:fld id="{CCD2BD40-8D68-461D-90B7-BB37F77C8051}" type="datetimeFigureOut">
               <a:rPr lang="zh-CN" altLang="en-US" smtClean="0"/>
-              <a:t>2024/12/20</a:t>
+              <a:t>2024/12/21</a:t>
             </a:fld>
             <a:endParaRPr lang="zh-CN" altLang="en-US"/>
           </a:p>
@@ -5230,7 +5234,7 @@
           <a:p>
             <a:fld id="{CCD2BD40-8D68-461D-90B7-BB37F77C8051}" type="datetimeFigureOut">
               <a:rPr lang="zh-CN" altLang="en-US" smtClean="0"/>
-              <a:t>2024/12/20</a:t>
+              <a:t>2024/12/21</a:t>
             </a:fld>
             <a:endParaRPr lang="zh-CN" altLang="en-US"/>
           </a:p>
@@ -5575,7 +5579,7 @@
           <a:p>
             <a:fld id="{CCD2BD40-8D68-461D-90B7-BB37F77C8051}" type="datetimeFigureOut">
               <a:rPr lang="zh-CN" altLang="en-US" smtClean="0"/>
-              <a:t>2024/12/20</a:t>
+              <a:t>2024/12/21</a:t>
             </a:fld>
             <a:endParaRPr lang="zh-CN" altLang="en-US"/>
           </a:p>
@@ -7692,7 +7696,7 @@
           <a:p>
             <a:fld id="{CCD2BD40-8D68-461D-90B7-BB37F77C8051}" type="datetimeFigureOut">
               <a:rPr lang="zh-CN" altLang="en-US" smtClean="0"/>
-              <a:t>2024/12/20</a:t>
+              <a:t>2024/12/21</a:t>
             </a:fld>
             <a:endParaRPr lang="zh-CN" altLang="en-US"/>
           </a:p>
@@ -8328,7 +8332,7 @@
           <a:p>
             <a:r>
               <a:rPr lang="zh-CN" altLang="en-US"/>
-              <a:t>黑盒蒸馏</a:t>
+              <a:t>黑盒蒸馏的概念</a:t>
             </a:r>
           </a:p>
         </p:txBody>
@@ -8367,6 +8371,13 @@
             <a:r>
               <a:rPr lang="zh-CN" altLang="en-US" sz="3200"/>
               <a:t>）。</a:t>
+            </a:r>
+            <a:endParaRPr lang="en-US" altLang="zh-CN" sz="3200"/>
+          </a:p>
+          <a:p>
+            <a:r>
+              <a:rPr lang="zh-CN" altLang="en-US" sz="3200"/>
+              <a:t>由此可见，黑盒蒸馏可以蒸馏闭源模型。</a:t>
             </a:r>
           </a:p>
         </p:txBody>
@@ -8540,8 +8551,16 @@
                   <a:srgbClr val="00FFFF"/>
                 </a:highlight>
               </a:rPr>
-              <a:t>硬损失</a:t>
-            </a:r>
+              <a:t>语言建模</a:t>
+            </a:r>
+            <a:endParaRPr lang="en-US" altLang="zh-CN" sz="2400" b="1">
+              <a:solidFill>
+                <a:srgbClr val="FF0000"/>
+              </a:solidFill>
+              <a:highlight>
+                <a:srgbClr val="00FFFF"/>
+              </a:highlight>
+            </a:endParaRPr>
           </a:p>
         </p:txBody>
       </p:sp>
@@ -8555,6 +8574,84 @@
   <p:clrMapOvr>
     <a:masterClrMapping/>
   </p:clrMapOvr>
+  <p:timing>
+    <p:tnLst>
+      <p:par>
+        <p:cTn id="1" dur="indefinite" restart="never" nodeType="tmRoot">
+          <p:childTnLst>
+            <p:seq concurrent="1" nextAc="seek">
+              <p:cTn id="2" dur="indefinite" nodeType="mainSeq">
+                <p:childTnLst>
+                  <p:par>
+                    <p:cTn id="3" fill="hold">
+                      <p:stCondLst>
+                        <p:cond delay="indefinite"/>
+                      </p:stCondLst>
+                      <p:childTnLst>
+                        <p:par>
+                          <p:cTn id="4" fill="hold">
+                            <p:stCondLst>
+                              <p:cond delay="0"/>
+                            </p:stCondLst>
+                            <p:childTnLst>
+                              <p:par>
+                                <p:cTn id="5" presetID="1" presetClass="entr" presetSubtype="0" fill="hold" grpId="0" nodeType="clickEffect">
+                                  <p:stCondLst>
+                                    <p:cond delay="0"/>
+                                  </p:stCondLst>
+                                  <p:childTnLst>
+                                    <p:set>
+                                      <p:cBhvr>
+                                        <p:cTn id="6" dur="1" fill="hold">
+                                          <p:stCondLst>
+                                            <p:cond delay="0"/>
+                                          </p:stCondLst>
+                                        </p:cTn>
+                                        <p:tgtEl>
+                                          <p:spTgt spid="8"/>
+                                        </p:tgtEl>
+                                        <p:attrNameLst>
+                                          <p:attrName>style.visibility</p:attrName>
+                                        </p:attrNameLst>
+                                      </p:cBhvr>
+                                      <p:to>
+                                        <p:strVal val="visible"/>
+                                      </p:to>
+                                    </p:set>
+                                  </p:childTnLst>
+                                </p:cTn>
+                              </p:par>
+                            </p:childTnLst>
+                          </p:cTn>
+                        </p:par>
+                      </p:childTnLst>
+                    </p:cTn>
+                  </p:par>
+                </p:childTnLst>
+              </p:cTn>
+              <p:prevCondLst>
+                <p:cond evt="onPrev" delay="0">
+                  <p:tgtEl>
+                    <p:sldTgt/>
+                  </p:tgtEl>
+                </p:cond>
+              </p:prevCondLst>
+              <p:nextCondLst>
+                <p:cond evt="onNext" delay="0">
+                  <p:tgtEl>
+                    <p:sldTgt/>
+                  </p:tgtEl>
+                </p:cond>
+              </p:nextCondLst>
+            </p:seq>
+          </p:childTnLst>
+        </p:cTn>
+      </p:par>
+    </p:tnLst>
+    <p:bldLst>
+      <p:bldP spid="8" grpId="0"/>
+    </p:bldLst>
+  </p:timing>
 </p:sld>
 </file>
 
@@ -8580,6 +8677,220 @@
           <p:cNvPr id="2" name="标题 1">
             <a:extLst>
               <a:ext uri="{FF2B5EF4-FFF2-40B4-BE49-F238E27FC236}">
+                <a16:creationId xmlns:a16="http://schemas.microsoft.com/office/drawing/2014/main" id="{E61F8EAB-BC19-4392-8676-2F5724F2B31E}"/>
+              </a:ext>
+            </a:extLst>
+          </p:cNvPr>
+          <p:cNvSpPr>
+            <a:spLocks noGrp="1"/>
+          </p:cNvSpPr>
+          <p:nvPr>
+            <p:ph type="title"/>
+          </p:nvPr>
+        </p:nvSpPr>
+        <p:spPr/>
+        <p:txBody>
+          <a:bodyPr/>
+          <a:lstStyle/>
+          <a:p>
+            <a:r>
+              <a:rPr lang="en-US" altLang="zh-CN"/>
+              <a:t>ICL</a:t>
+            </a:r>
+            <a:r>
+              <a:rPr lang="zh-CN" altLang="en-US"/>
+              <a:t>蒸馏实践</a:t>
+            </a:r>
+          </a:p>
+        </p:txBody>
+      </p:sp>
+      <p:pic>
+        <p:nvPicPr>
+          <p:cNvPr id="5" name="内容占位符 4">
+            <a:extLst>
+              <a:ext uri="{FF2B5EF4-FFF2-40B4-BE49-F238E27FC236}">
+                <a16:creationId xmlns:a16="http://schemas.microsoft.com/office/drawing/2014/main" id="{FFC18661-20DB-4AFB-A75B-9A281669758F}"/>
+              </a:ext>
+            </a:extLst>
+          </p:cNvPr>
+          <p:cNvPicPr>
+            <a:picLocks noGrp="1" noChangeAspect="1"/>
+          </p:cNvPicPr>
+          <p:nvPr>
+            <p:ph idx="1"/>
+          </p:nvPr>
+        </p:nvPicPr>
+        <p:blipFill>
+          <a:blip r:embed="rId2"/>
+          <a:stretch>
+            <a:fillRect/>
+          </a:stretch>
+        </p:blipFill>
+        <p:spPr>
+          <a:xfrm>
+            <a:off x="1309907" y="3428999"/>
+            <a:ext cx="10728476" cy="2474843"/>
+          </a:xfrm>
+        </p:spPr>
+      </p:pic>
+      <p:sp>
+        <p:nvSpPr>
+          <p:cNvPr id="6" name="文本框 5">
+            <a:extLst>
+              <a:ext uri="{FF2B5EF4-FFF2-40B4-BE49-F238E27FC236}">
+                <a16:creationId xmlns:a16="http://schemas.microsoft.com/office/drawing/2014/main" id="{7F625DB6-E43B-46BF-ADDB-EC58A7350180}"/>
+              </a:ext>
+            </a:extLst>
+          </p:cNvPr>
+          <p:cNvSpPr txBox="1"/>
+          <p:nvPr/>
+        </p:nvSpPr>
+        <p:spPr>
+          <a:xfrm>
+            <a:off x="2592925" y="1729408"/>
+            <a:ext cx="7245627" cy="1323439"/>
+          </a:xfrm>
+          <a:prstGeom prst="rect">
+            <a:avLst/>
+          </a:prstGeom>
+          <a:noFill/>
+        </p:spPr>
+        <p:txBody>
+          <a:bodyPr wrap="square" rtlCol="0">
+            <a:spAutoFit/>
+          </a:bodyPr>
+          <a:lstStyle/>
+          <a:p>
+            <a:r>
+              <a:rPr lang="en-US" altLang="zh-CN" sz="2000"/>
+              <a:t>Soft_icl_loss, </a:t>
+            </a:r>
+            <a:r>
+              <a:rPr lang="zh-CN" altLang="en-US" sz="2000"/>
+              <a:t>学生模型和教师模型在</a:t>
+            </a:r>
+            <a:r>
+              <a:rPr lang="en-US" altLang="zh-CN" sz="2000"/>
+              <a:t>icl</a:t>
+            </a:r>
+            <a:r>
+              <a:rPr lang="zh-CN" altLang="en-US" sz="2000"/>
+              <a:t>数据集上的</a:t>
+            </a:r>
+            <a:r>
+              <a:rPr lang="en-US" altLang="zh-CN" sz="2000"/>
+              <a:t>KL</a:t>
+            </a:r>
+            <a:r>
+              <a:rPr lang="zh-CN" altLang="en-US" sz="2000"/>
+              <a:t>散度</a:t>
+            </a:r>
+            <a:r>
+              <a:rPr lang="en-US" altLang="zh-CN" sz="2000"/>
+              <a:t> </a:t>
+            </a:r>
+          </a:p>
+          <a:p>
+            <a:r>
+              <a:rPr lang="en-US" altLang="zh-CN" sz="2000"/>
+              <a:t>soft_lm_loss, </a:t>
+            </a:r>
+            <a:r>
+              <a:rPr lang="zh-CN" altLang="en-US" sz="2000"/>
+              <a:t>学生模型和教师模型在</a:t>
+            </a:r>
+            <a:r>
+              <a:rPr lang="en-US" altLang="zh-CN" sz="2000"/>
+              <a:t>wikitext</a:t>
+            </a:r>
+            <a:r>
+              <a:rPr lang="zh-CN" altLang="en-US" sz="2000"/>
+              <a:t>数据集上的</a:t>
+            </a:r>
+            <a:r>
+              <a:rPr lang="en-US" altLang="zh-CN" sz="2000"/>
+              <a:t>kl</a:t>
+            </a:r>
+            <a:r>
+              <a:rPr lang="zh-CN" altLang="en-US" sz="2000"/>
+              <a:t>散度</a:t>
+            </a:r>
+            <a:endParaRPr lang="en-US" altLang="zh-CN" sz="2000"/>
+          </a:p>
+          <a:p>
+            <a:r>
+              <a:rPr lang="en-US" altLang="zh-CN" sz="2000"/>
+              <a:t>hard_icl_loss, </a:t>
+            </a:r>
+            <a:r>
+              <a:rPr lang="zh-CN" altLang="en-US" sz="2000"/>
+              <a:t>学生模型在</a:t>
+            </a:r>
+            <a:r>
+              <a:rPr lang="en-US" altLang="zh-CN" sz="2000"/>
+              <a:t>icl</a:t>
+            </a:r>
+            <a:r>
+              <a:rPr lang="zh-CN" altLang="en-US" sz="2000"/>
+              <a:t>数据集上的交叉熵</a:t>
+            </a:r>
+            <a:endParaRPr lang="en-US" altLang="zh-CN" sz="2000"/>
+          </a:p>
+          <a:p>
+            <a:r>
+              <a:rPr lang="en-US" altLang="zh-CN" sz="2000"/>
+              <a:t>hard_lm_loss,</a:t>
+            </a:r>
+            <a:r>
+              <a:rPr lang="zh-CN" altLang="en-US" sz="2000"/>
+              <a:t> 学生模型在</a:t>
+            </a:r>
+            <a:r>
+              <a:rPr lang="en-US" altLang="zh-CN" sz="2000"/>
+              <a:t>wikitext</a:t>
+            </a:r>
+            <a:r>
+              <a:rPr lang="zh-CN" altLang="en-US" sz="2000"/>
+              <a:t>数据集上的交叉熵</a:t>
+            </a:r>
+          </a:p>
+        </p:txBody>
+      </p:sp>
+    </p:spTree>
+    <p:extLst>
+      <p:ext uri="{BB962C8B-B14F-4D97-AF65-F5344CB8AC3E}">
+        <p14:creationId xmlns:p14="http://schemas.microsoft.com/office/powerpoint/2010/main" val="2716175172"/>
+      </p:ext>
+    </p:extLst>
+  </p:cSld>
+  <p:clrMapOvr>
+    <a:masterClrMapping/>
+  </p:clrMapOvr>
+</p:sld>
+</file>
+
+<file path=ppt/slides/slide13.xml><?xml version="1.0" encoding="utf-8"?>
+<p:sld xmlns:a="http://schemas.openxmlformats.org/drawingml/2006/main" xmlns:r="http://schemas.openxmlformats.org/officeDocument/2006/relationships" xmlns:p="http://schemas.openxmlformats.org/presentationml/2006/main">
+  <p:cSld>
+    <p:spTree>
+      <p:nvGrpSpPr>
+        <p:cNvPr id="1" name=""/>
+        <p:cNvGrpSpPr/>
+        <p:nvPr/>
+      </p:nvGrpSpPr>
+      <p:grpSpPr>
+        <a:xfrm>
+          <a:off x="0" y="0"/>
+          <a:ext cx="0" cy="0"/>
+          <a:chOff x="0" y="0"/>
+          <a:chExt cx="0" cy="0"/>
+        </a:xfrm>
+      </p:grpSpPr>
+      <p:sp>
+        <p:nvSpPr>
+          <p:cNvPr id="2" name="标题 1">
+            <a:extLst>
+              <a:ext uri="{FF2B5EF4-FFF2-40B4-BE49-F238E27FC236}">
                 <a16:creationId xmlns:a16="http://schemas.microsoft.com/office/drawing/2014/main" id="{42F958CB-3AFE-4E7C-B63A-1D1549578EA8}"/>
               </a:ext>
             </a:extLst>
@@ -8750,7 +9061,7 @@
 </p:sld>
 </file>
 
-<file path=ppt/slides/slide13.xml><?xml version="1.0" encoding="utf-8"?>
+<file path=ppt/slides/slide14.xml><?xml version="1.0" encoding="utf-8"?>
 <p:sld xmlns:a="http://schemas.openxmlformats.org/drawingml/2006/main" xmlns:r="http://schemas.openxmlformats.org/officeDocument/2006/relationships" xmlns:p="http://schemas.openxmlformats.org/presentationml/2006/main">
   <p:cSld>
     <p:spTree>
@@ -8968,7 +9279,256 @@
 </p:sld>
 </file>
 
-<file path=ppt/slides/slide14.xml><?xml version="1.0" encoding="utf-8"?>
+<file path=ppt/slides/slide15.xml><?xml version="1.0" encoding="utf-8"?>
+<p:sld xmlns:a="http://schemas.openxmlformats.org/drawingml/2006/main" xmlns:r="http://schemas.openxmlformats.org/officeDocument/2006/relationships" xmlns:p="http://schemas.openxmlformats.org/presentationml/2006/main">
+  <p:cSld>
+    <p:spTree>
+      <p:nvGrpSpPr>
+        <p:cNvPr id="1" name=""/>
+        <p:cNvGrpSpPr/>
+        <p:nvPr/>
+      </p:nvGrpSpPr>
+      <p:grpSpPr>
+        <a:xfrm>
+          <a:off x="0" y="0"/>
+          <a:ext cx="0" cy="0"/>
+          <a:chOff x="0" y="0"/>
+          <a:chExt cx="0" cy="0"/>
+        </a:xfrm>
+      </p:grpSpPr>
+      <p:sp>
+        <p:nvSpPr>
+          <p:cNvPr id="2" name="标题 1">
+            <a:extLst>
+              <a:ext uri="{FF2B5EF4-FFF2-40B4-BE49-F238E27FC236}">
+                <a16:creationId xmlns:a16="http://schemas.microsoft.com/office/drawing/2014/main" id="{F80D9135-FE08-4AF0-AA87-EAF5B5DE58BE}"/>
+              </a:ext>
+            </a:extLst>
+          </p:cNvPr>
+          <p:cNvSpPr>
+            <a:spLocks noGrp="1"/>
+          </p:cNvSpPr>
+          <p:nvPr>
+            <p:ph type="title"/>
+          </p:nvPr>
+        </p:nvSpPr>
+        <p:spPr/>
+        <p:txBody>
+          <a:bodyPr/>
+          <a:lstStyle/>
+          <a:p>
+            <a:r>
+              <a:rPr lang="zh-CN" altLang="en-US"/>
+              <a:t>指令跟随蒸馏实践</a:t>
+            </a:r>
+          </a:p>
+        </p:txBody>
+      </p:sp>
+      <p:sp>
+        <p:nvSpPr>
+          <p:cNvPr id="3" name="内容占位符 2">
+            <a:extLst>
+              <a:ext uri="{FF2B5EF4-FFF2-40B4-BE49-F238E27FC236}">
+                <a16:creationId xmlns:a16="http://schemas.microsoft.com/office/drawing/2014/main" id="{9055B505-445C-4A1B-BE1F-FF424F1B5D74}"/>
+              </a:ext>
+            </a:extLst>
+          </p:cNvPr>
+          <p:cNvSpPr>
+            <a:spLocks noGrp="1"/>
+          </p:cNvSpPr>
+          <p:nvPr>
+            <p:ph idx="1"/>
+          </p:nvPr>
+        </p:nvSpPr>
+        <p:spPr/>
+        <p:txBody>
+          <a:bodyPr>
+            <a:normAutofit/>
+          </a:bodyPr>
+          <a:lstStyle/>
+          <a:p>
+            <a:r>
+              <a:rPr lang="zh-CN" altLang="en-US" sz="2400"/>
+              <a:t>数据集：使用</a:t>
+            </a:r>
+            <a:r>
+              <a:rPr lang="en-US" altLang="zh-CN" sz="2400"/>
+              <a:t>self-instruct</a:t>
+            </a:r>
+            <a:r>
+              <a:rPr lang="zh-CN" altLang="en-US" sz="2400"/>
+              <a:t>制作的</a:t>
+            </a:r>
+            <a:r>
+              <a:rPr lang="en-US" altLang="zh-CN" sz="2400" b="0">
+                <a:solidFill>
+                  <a:srgbClr val="A31515"/>
+                </a:solidFill>
+                <a:effectLst/>
+                <a:latin typeface="Consolas" panose="020B0609020204030204" pitchFamily="49" charset="0"/>
+              </a:rPr>
+              <a:t>alpaca_gpt4_data </a:t>
+            </a:r>
+            <a:r>
+              <a:rPr lang="zh-CN" altLang="en-US" sz="2400" b="0">
+                <a:solidFill>
+                  <a:srgbClr val="A31515"/>
+                </a:solidFill>
+                <a:effectLst/>
+                <a:latin typeface="Consolas" panose="020B0609020204030204" pitchFamily="49" charset="0"/>
+              </a:rPr>
+              <a:t>数据集</a:t>
+            </a:r>
+            <a:endParaRPr lang="en-US" altLang="zh-CN" sz="2400" b="0">
+              <a:solidFill>
+                <a:srgbClr val="A31515"/>
+              </a:solidFill>
+              <a:effectLst/>
+              <a:latin typeface="Consolas" panose="020B0609020204030204" pitchFamily="49" charset="0"/>
+            </a:endParaRPr>
+          </a:p>
+          <a:p>
+            <a:r>
+              <a:rPr lang="zh-CN" altLang="en-US" sz="2400" b="0">
+                <a:solidFill>
+                  <a:srgbClr val="000000"/>
+                </a:solidFill>
+                <a:effectLst/>
+                <a:latin typeface="Consolas" panose="020B0609020204030204" pitchFamily="49" charset="0"/>
+              </a:rPr>
+              <a:t>损失函数：交叉熵</a:t>
+            </a:r>
+            <a:endParaRPr lang="en-US" altLang="zh-CN" sz="2400" b="0">
+              <a:solidFill>
+                <a:srgbClr val="000000"/>
+              </a:solidFill>
+              <a:effectLst/>
+              <a:latin typeface="Consolas" panose="020B0609020204030204" pitchFamily="49" charset="0"/>
+            </a:endParaRPr>
+          </a:p>
+        </p:txBody>
+      </p:sp>
+    </p:spTree>
+    <p:extLst>
+      <p:ext uri="{BB962C8B-B14F-4D97-AF65-F5344CB8AC3E}">
+        <p14:creationId xmlns:p14="http://schemas.microsoft.com/office/powerpoint/2010/main" val="3978258736"/>
+      </p:ext>
+    </p:extLst>
+  </p:cSld>
+  <p:clrMapOvr>
+    <a:masterClrMapping/>
+  </p:clrMapOvr>
+</p:sld>
+</file>
+
+<file path=ppt/slides/slide16.xml><?xml version="1.0" encoding="utf-8"?>
+<p:sld xmlns:a="http://schemas.openxmlformats.org/drawingml/2006/main" xmlns:r="http://schemas.openxmlformats.org/officeDocument/2006/relationships" xmlns:p="http://schemas.openxmlformats.org/presentationml/2006/main">
+  <p:cSld>
+    <p:spTree>
+      <p:nvGrpSpPr>
+        <p:cNvPr id="1" name=""/>
+        <p:cNvGrpSpPr/>
+        <p:nvPr/>
+      </p:nvGrpSpPr>
+      <p:grpSpPr>
+        <a:xfrm>
+          <a:off x="0" y="0"/>
+          <a:ext cx="0" cy="0"/>
+          <a:chOff x="0" y="0"/>
+          <a:chExt cx="0" cy="0"/>
+        </a:xfrm>
+      </p:grpSpPr>
+      <p:sp>
+        <p:nvSpPr>
+          <p:cNvPr id="2" name="标题 1">
+            <a:extLst>
+              <a:ext uri="{FF2B5EF4-FFF2-40B4-BE49-F238E27FC236}">
+                <a16:creationId xmlns:a16="http://schemas.microsoft.com/office/drawing/2014/main" id="{BB29057F-903B-4DC4-AF79-F01F4331DD6A}"/>
+              </a:ext>
+            </a:extLst>
+          </p:cNvPr>
+          <p:cNvSpPr>
+            <a:spLocks noGrp="1"/>
+          </p:cNvSpPr>
+          <p:nvPr>
+            <p:ph type="title"/>
+          </p:nvPr>
+        </p:nvSpPr>
+        <p:spPr/>
+        <p:txBody>
+          <a:bodyPr/>
+          <a:lstStyle/>
+          <a:p>
+            <a:r>
+              <a:rPr lang="zh-CN" altLang="en-US"/>
+              <a:t>思维链蒸馏</a:t>
+            </a:r>
+          </a:p>
+        </p:txBody>
+      </p:sp>
+      <p:pic>
+        <p:nvPicPr>
+          <p:cNvPr id="1028" name="Picture 4">
+            <a:extLst>
+              <a:ext uri="{FF2B5EF4-FFF2-40B4-BE49-F238E27FC236}">
+                <a16:creationId xmlns:a16="http://schemas.microsoft.com/office/drawing/2014/main" id="{6CDCF841-DE69-4C0D-8CA4-696F284F63AE}"/>
+              </a:ext>
+            </a:extLst>
+          </p:cNvPr>
+          <p:cNvPicPr>
+            <a:picLocks noGrp="1" noChangeAspect="1" noChangeArrowheads="1"/>
+          </p:cNvPicPr>
+          <p:nvPr>
+            <p:ph idx="1"/>
+          </p:nvPr>
+        </p:nvPicPr>
+        <p:blipFill>
+          <a:blip r:embed="rId2">
+            <a:extLst>
+              <a:ext uri="{28A0092B-C50C-407E-A947-70E740481C1C}">
+                <a14:useLocalDpi xmlns:a14="http://schemas.microsoft.com/office/drawing/2010/main" val="0"/>
+              </a:ext>
+            </a:extLst>
+          </a:blip>
+          <a:srcRect/>
+          <a:stretch>
+            <a:fillRect/>
+          </a:stretch>
+        </p:blipFill>
+        <p:spPr bwMode="auto">
+          <a:xfrm>
+            <a:off x="2280060" y="1588205"/>
+            <a:ext cx="9087122" cy="4574055"/>
+          </a:xfrm>
+          <a:prstGeom prst="rect">
+            <a:avLst/>
+          </a:prstGeom>
+          <a:noFill/>
+          <a:extLst>
+            <a:ext uri="{909E8E84-426E-40DD-AFC4-6F175D3DCCD1}">
+              <a14:hiddenFill xmlns:a14="http://schemas.microsoft.com/office/drawing/2010/main">
+                <a:solidFill>
+                  <a:srgbClr val="FFFFFF"/>
+                </a:solidFill>
+              </a14:hiddenFill>
+            </a:ext>
+          </a:extLst>
+        </p:spPr>
+      </p:pic>
+    </p:spTree>
+    <p:extLst>
+      <p:ext uri="{BB962C8B-B14F-4D97-AF65-F5344CB8AC3E}">
+        <p14:creationId xmlns:p14="http://schemas.microsoft.com/office/powerpoint/2010/main" val="3570518705"/>
+      </p:ext>
+    </p:extLst>
+  </p:cSld>
+  <p:clrMapOvr>
+    <a:masterClrMapping/>
+  </p:clrMapOvr>
+</p:sld>
+</file>
+
+<file path=ppt/slides/slide17.xml><?xml version="1.0" encoding="utf-8"?>
 <p:sld xmlns:a="http://schemas.openxmlformats.org/drawingml/2006/main" xmlns:r="http://schemas.openxmlformats.org/officeDocument/2006/relationships" xmlns:p="http://schemas.openxmlformats.org/presentationml/2006/main">
   <p:cSld>
     <p:spTree>
@@ -9533,7 +10093,7 @@
 </p:sld>
 </file>
 
-<file path=ppt/slides/slide15.xml><?xml version="1.0" encoding="utf-8"?>
+<file path=ppt/slides/slide18.xml><?xml version="1.0" encoding="utf-8"?>
 <p:sld xmlns:a="http://schemas.openxmlformats.org/drawingml/2006/main" xmlns:r="http://schemas.openxmlformats.org/officeDocument/2006/relationships" xmlns:p="http://schemas.openxmlformats.org/presentationml/2006/main">
   <p:cSld>
     <p:spTree>
@@ -9555,6 +10115,163 @@
           <p:cNvPr id="2" name="标题 1">
             <a:extLst>
               <a:ext uri="{FF2B5EF4-FFF2-40B4-BE49-F238E27FC236}">
+                <a16:creationId xmlns:a16="http://schemas.microsoft.com/office/drawing/2014/main" id="{13D6700F-72A9-4689-A540-6D8BAB736795}"/>
+              </a:ext>
+            </a:extLst>
+          </p:cNvPr>
+          <p:cNvSpPr>
+            <a:spLocks noGrp="1"/>
+          </p:cNvSpPr>
+          <p:nvPr>
+            <p:ph type="title"/>
+          </p:nvPr>
+        </p:nvSpPr>
+        <p:spPr/>
+        <p:txBody>
+          <a:bodyPr/>
+          <a:lstStyle/>
+          <a:p>
+            <a:r>
+              <a:rPr lang="zh-CN" altLang="en-US"/>
+              <a:t>思维链蒸馏实践</a:t>
+            </a:r>
+          </a:p>
+        </p:txBody>
+      </p:sp>
+      <p:pic>
+        <p:nvPicPr>
+          <p:cNvPr id="5" name="内容占位符 4">
+            <a:extLst>
+              <a:ext uri="{FF2B5EF4-FFF2-40B4-BE49-F238E27FC236}">
+                <a16:creationId xmlns:a16="http://schemas.microsoft.com/office/drawing/2014/main" id="{1355FC28-9DD3-4754-8431-74676BDC8B28}"/>
+              </a:ext>
+            </a:extLst>
+          </p:cNvPr>
+          <p:cNvPicPr>
+            <a:picLocks noGrp="1" noChangeAspect="1"/>
+          </p:cNvPicPr>
+          <p:nvPr>
+            <p:ph idx="1"/>
+          </p:nvPr>
+        </p:nvPicPr>
+        <p:blipFill>
+          <a:blip r:embed="rId2"/>
+          <a:stretch>
+            <a:fillRect/>
+          </a:stretch>
+        </p:blipFill>
+        <p:spPr>
+          <a:xfrm>
+            <a:off x="3241255" y="1493155"/>
+            <a:ext cx="6663645" cy="4626200"/>
+          </a:xfrm>
+        </p:spPr>
+      </p:pic>
+      <p:sp>
+        <p:nvSpPr>
+          <p:cNvPr id="6" name="文本框 5">
+            <a:extLst>
+              <a:ext uri="{FF2B5EF4-FFF2-40B4-BE49-F238E27FC236}">
+                <a16:creationId xmlns:a16="http://schemas.microsoft.com/office/drawing/2014/main" id="{8AA3FC12-C82B-428E-B12A-F9E1863A3B69}"/>
+              </a:ext>
+            </a:extLst>
+          </p:cNvPr>
+          <p:cNvSpPr txBox="1"/>
+          <p:nvPr/>
+        </p:nvSpPr>
+        <p:spPr>
+          <a:xfrm>
+            <a:off x="1952481" y="6390861"/>
+            <a:ext cx="2732162" cy="369332"/>
+          </a:xfrm>
+          <a:prstGeom prst="rect">
+            <a:avLst/>
+          </a:prstGeom>
+          <a:noFill/>
+        </p:spPr>
+        <p:txBody>
+          <a:bodyPr wrap="square" rtlCol="0">
+            <a:spAutoFit/>
+          </a:bodyPr>
+          <a:lstStyle/>
+          <a:p>
+            <a:r>
+              <a:rPr lang="zh-CN" altLang="en-US"/>
+              <a:t>损失函数：交叉熵损失</a:t>
+            </a:r>
+          </a:p>
+        </p:txBody>
+      </p:sp>
+      <p:sp>
+        <p:nvSpPr>
+          <p:cNvPr id="7" name="文本框 6">
+            <a:extLst>
+              <a:ext uri="{FF2B5EF4-FFF2-40B4-BE49-F238E27FC236}">
+                <a16:creationId xmlns:a16="http://schemas.microsoft.com/office/drawing/2014/main" id="{8F878FC4-283D-4EAB-A554-2C3E7727EE1D}"/>
+              </a:ext>
+            </a:extLst>
+          </p:cNvPr>
+          <p:cNvSpPr txBox="1"/>
+          <p:nvPr/>
+        </p:nvSpPr>
+        <p:spPr>
+          <a:xfrm>
+            <a:off x="1952481" y="1641604"/>
+            <a:ext cx="1505847" cy="369332"/>
+          </a:xfrm>
+          <a:prstGeom prst="rect">
+            <a:avLst/>
+          </a:prstGeom>
+          <a:noFill/>
+        </p:spPr>
+        <p:txBody>
+          <a:bodyPr wrap="square" rtlCol="0">
+            <a:spAutoFit/>
+          </a:bodyPr>
+          <a:lstStyle/>
+          <a:p>
+            <a:r>
+              <a:rPr lang="zh-CN" altLang="en-US"/>
+              <a:t>数据集：</a:t>
+            </a:r>
+          </a:p>
+        </p:txBody>
+      </p:sp>
+    </p:spTree>
+    <p:extLst>
+      <p:ext uri="{BB962C8B-B14F-4D97-AF65-F5344CB8AC3E}">
+        <p14:creationId xmlns:p14="http://schemas.microsoft.com/office/powerpoint/2010/main" val="675763855"/>
+      </p:ext>
+    </p:extLst>
+  </p:cSld>
+  <p:clrMapOvr>
+    <a:masterClrMapping/>
+  </p:clrMapOvr>
+</p:sld>
+</file>
+
+<file path=ppt/slides/slide19.xml><?xml version="1.0" encoding="utf-8"?>
+<p:sld xmlns:a="http://schemas.openxmlformats.org/drawingml/2006/main" xmlns:r="http://schemas.openxmlformats.org/officeDocument/2006/relationships" xmlns:p="http://schemas.openxmlformats.org/presentationml/2006/main">
+  <p:cSld>
+    <p:spTree>
+      <p:nvGrpSpPr>
+        <p:cNvPr id="1" name=""/>
+        <p:cNvGrpSpPr/>
+        <p:nvPr/>
+      </p:nvGrpSpPr>
+      <p:grpSpPr>
+        <a:xfrm>
+          <a:off x="0" y="0"/>
+          <a:ext cx="0" cy="0"/>
+          <a:chOff x="0" y="0"/>
+          <a:chExt cx="0" cy="0"/>
+        </a:xfrm>
+      </p:grpSpPr>
+      <p:sp>
+        <p:nvSpPr>
+          <p:cNvPr id="2" name="标题 1">
+            <a:extLst>
+              <a:ext uri="{FF2B5EF4-FFF2-40B4-BE49-F238E27FC236}">
                 <a16:creationId xmlns:a16="http://schemas.microsoft.com/office/drawing/2014/main" id="{78DD54A5-AE34-4798-AFDA-807AB2A32998}"/>
               </a:ext>
             </a:extLst>
@@ -9708,7 +10425,15 @@
                   <a:srgbClr val="FF0000"/>
                 </a:solidFill>
               </a:rPr>
-              <a:t>please read the docs</a:t>
+              <a:t>please </a:t>
+            </a:r>
+            <a:r>
+              <a:rPr lang="en-US" altLang="zh-CN" b="1" i="1">
+                <a:solidFill>
+                  <a:srgbClr val="FF0000"/>
+                </a:solidFill>
+              </a:rPr>
+              <a:t>run the code</a:t>
             </a:r>
             <a:endParaRPr lang="en-US" altLang="zh-CN" b="1" i="1">
               <a:solidFill>
@@ -10811,6 +11536,18 @@
               <a:rPr lang="zh-CN" altLang="en-US" sz="2400"/>
               <a:t>概率分布代表了词表中每一个词的出现概率</a:t>
             </a:r>
+            <a:endParaRPr lang="en-US" altLang="zh-CN" sz="2400"/>
+          </a:p>
+          <a:p>
+            <a:r>
+              <a:rPr lang="zh-CN" altLang="en-US" sz="2400"/>
+              <a:t>维度都是</a:t>
+            </a:r>
+            <a:r>
+              <a:rPr lang="en-US" altLang="zh-CN" sz="2400"/>
+              <a:t>batchsize*seq_len*vocab_size</a:t>
+            </a:r>
+            <a:endParaRPr lang="zh-CN" altLang="en-US" sz="2400"/>
           </a:p>
         </p:txBody>
       </p:sp>
@@ -11189,15 +11926,26 @@
           <a:p>
             <a:r>
               <a:rPr lang="zh-CN" altLang="en-US" sz="3200"/>
-              <a:t>在蒸馏过程中使用到教师模型的参数或 </a:t>
-            </a:r>
-            <a:r>
-              <a:rPr lang="en-US" altLang="zh-CN" sz="3200"/>
+              <a:t>在蒸馏过程中使用到教师模型的</a:t>
+            </a:r>
+            <a:r>
+              <a:rPr lang="zh-CN" altLang="en-US" sz="3200" b="1"/>
+              <a:t>参数或 </a:t>
+            </a:r>
+            <a:r>
+              <a:rPr lang="en-US" altLang="zh-CN" sz="3200" b="1"/>
               <a:t>logits </a:t>
             </a:r>
             <a:r>
               <a:rPr lang="zh-CN" altLang="en-US" sz="3200"/>
               <a:t>的 蒸馏技术。</a:t>
+            </a:r>
+            <a:endParaRPr lang="en-US" altLang="zh-CN" sz="3200"/>
+          </a:p>
+          <a:p>
+            <a:r>
+              <a:rPr lang="zh-CN" altLang="en-US" sz="3200"/>
+              <a:t>由此可见，白盒蒸馏不可以蒸馏闭源模型。</a:t>
             </a:r>
           </a:p>
         </p:txBody>
